--- a/Nandini_SauceDemo.pptx
+++ b/Nandini_SauceDemo.pptx
@@ -14,13 +14,18 @@
     <p:sldId id="262" r:id="rId8"/>
     <p:sldId id="263" r:id="rId9"/>
     <p:sldId id="264" r:id="rId10"/>
-    <p:sldId id="265" r:id="rId11"/>
-    <p:sldId id="268" r:id="rId12"/>
-    <p:sldId id="269" r:id="rId13"/>
-    <p:sldId id="270" r:id="rId14"/>
-    <p:sldId id="271" r:id="rId15"/>
-    <p:sldId id="272" r:id="rId16"/>
-    <p:sldId id="273" r:id="rId17"/>
+    <p:sldId id="275" r:id="rId11"/>
+    <p:sldId id="265" r:id="rId12"/>
+    <p:sldId id="268" r:id="rId13"/>
+    <p:sldId id="277" r:id="rId14"/>
+    <p:sldId id="269" r:id="rId15"/>
+    <p:sldId id="270" r:id="rId16"/>
+    <p:sldId id="271" r:id="rId17"/>
+    <p:sldId id="276" r:id="rId18"/>
+    <p:sldId id="279" r:id="rId19"/>
+    <p:sldId id="278" r:id="rId20"/>
+    <p:sldId id="272" r:id="rId21"/>
+    <p:sldId id="273" r:id="rId22"/>
   </p:sldIdLst>
   <p:sldSz cx="12192000" cy="6858000"/>
   <p:notesSz cx="6858000" cy="9144000"/>
@@ -133,11 +138,16 @@
             <p14:sldId id="262"/>
             <p14:sldId id="263"/>
             <p14:sldId id="264"/>
+            <p14:sldId id="275"/>
             <p14:sldId id="265"/>
             <p14:sldId id="268"/>
+            <p14:sldId id="277"/>
             <p14:sldId id="269"/>
             <p14:sldId id="270"/>
             <p14:sldId id="271"/>
+            <p14:sldId id="276"/>
+            <p14:sldId id="279"/>
+            <p14:sldId id="278"/>
             <p14:sldId id="272"/>
             <p14:sldId id="273"/>
           </p14:sldIdLst>
@@ -157,7 +167,7 @@
 <file path=ppt/revisionInfo.xml><?xml version="1.0" encoding="utf-8"?>
 <p1510:revInfo xmlns:a="http://schemas.openxmlformats.org/drawingml/2006/main" xmlns:r="http://schemas.openxmlformats.org/officeDocument/2006/relationships" xmlns:p1510="http://schemas.microsoft.com/office/powerpoint/2015/10/main">
   <p1510:revLst>
-    <p1510:client id="{BD227473-E7CB-4CA8-BE3F-A7D5DAB93DA4}" v="41" dt="2025-09-07T18:54:59.390"/>
+    <p1510:client id="{BD227473-E7CB-4CA8-BE3F-A7D5DAB93DA4}" v="49" dt="2025-09-08T09:11:48.565"/>
   </p1510:revLst>
 </p1510:revInfo>
 </file>
@@ -167,7 +177,7 @@
   <pc:docChgLst>
     <pc:chgData name="Kamireddy Nandini" userId="cf4e4def5ddb983d" providerId="LiveId" clId="{E0587A0D-4A79-40C8-B87A-480D21FB515F}"/>
     <pc:docChg chg="undo custSel addSld delSld modSld sldOrd modSection">
-      <pc:chgData name="Kamireddy Nandini" userId="cf4e4def5ddb983d" providerId="LiveId" clId="{E0587A0D-4A79-40C8-B87A-480D21FB515F}" dt="2025-09-08T03:54:57.772" v="273" actId="20577"/>
+      <pc:chgData name="Kamireddy Nandini" userId="cf4e4def5ddb983d" providerId="LiveId" clId="{E0587A0D-4A79-40C8-B87A-480D21FB515F}" dt="2025-09-08T09:12:20.848" v="482" actId="1035"/>
       <pc:docMkLst>
         <pc:docMk/>
       </pc:docMkLst>
@@ -201,8 +211,8 @@
           </ac:spMkLst>
         </pc:spChg>
       </pc:sldChg>
-      <pc:sldChg chg="modSp">
-        <pc:chgData name="Kamireddy Nandini" userId="cf4e4def5ddb983d" providerId="LiveId" clId="{E0587A0D-4A79-40C8-B87A-480D21FB515F}" dt="2025-09-07T18:33:46.995" v="202"/>
+      <pc:sldChg chg="modSp mod">
+        <pc:chgData name="Kamireddy Nandini" userId="cf4e4def5ddb983d" providerId="LiveId" clId="{E0587A0D-4A79-40C8-B87A-480D21FB515F}" dt="2025-09-08T08:13:17.684" v="306" actId="20577"/>
         <pc:sldMkLst>
           <pc:docMk/>
           <pc:sldMk cId="1613867064" sldId="260"/>
@@ -213,6 +223,14 @@
             <pc:docMk/>
             <pc:sldMk cId="1613867064" sldId="260"/>
             <ac:spMk id="2" creationId="{B758E4F6-1E7E-0C2C-439A-470527E4EDEF}"/>
+          </ac:spMkLst>
+        </pc:spChg>
+        <pc:spChg chg="mod">
+          <ac:chgData name="Kamireddy Nandini" userId="cf4e4def5ddb983d" providerId="LiveId" clId="{E0587A0D-4A79-40C8-B87A-480D21FB515F}" dt="2025-09-08T08:13:17.684" v="306" actId="20577"/>
+          <ac:spMkLst>
+            <pc:docMk/>
+            <pc:sldMk cId="1613867064" sldId="260"/>
+            <ac:spMk id="3" creationId="{E6D12AF7-D22E-6CF9-FF0E-562264034D8F}"/>
           </ac:spMkLst>
         </pc:spChg>
       </pc:sldChg>
@@ -388,6 +406,45 @@
           </ac:spMkLst>
         </pc:spChg>
       </pc:sldChg>
+      <pc:sldChg chg="modSp mod">
+        <pc:chgData name="Kamireddy Nandini" userId="cf4e4def5ddb983d" providerId="LiveId" clId="{E0587A0D-4A79-40C8-B87A-480D21FB515F}" dt="2025-09-08T08:35:49.664" v="462" actId="1076"/>
+        <pc:sldMkLst>
+          <pc:docMk/>
+          <pc:sldMk cId="4129365160" sldId="270"/>
+        </pc:sldMkLst>
+        <pc:picChg chg="mod">
+          <ac:chgData name="Kamireddy Nandini" userId="cf4e4def5ddb983d" providerId="LiveId" clId="{E0587A0D-4A79-40C8-B87A-480D21FB515F}" dt="2025-09-08T08:35:47.665" v="461" actId="1076"/>
+          <ac:picMkLst>
+            <pc:docMk/>
+            <pc:sldMk cId="4129365160" sldId="270"/>
+            <ac:picMk id="8" creationId="{D48CFE42-09CE-FAC3-BAA4-7222E1D105BC}"/>
+          </ac:picMkLst>
+        </pc:picChg>
+        <pc:picChg chg="mod">
+          <ac:chgData name="Kamireddy Nandini" userId="cf4e4def5ddb983d" providerId="LiveId" clId="{E0587A0D-4A79-40C8-B87A-480D21FB515F}" dt="2025-09-08T08:35:39.635" v="459" actId="1076"/>
+          <ac:picMkLst>
+            <pc:docMk/>
+            <pc:sldMk cId="4129365160" sldId="270"/>
+            <ac:picMk id="11" creationId="{D1A8FDEE-2630-1FFD-26E3-5E35BACF2AB1}"/>
+          </ac:picMkLst>
+        </pc:picChg>
+        <pc:picChg chg="mod">
+          <ac:chgData name="Kamireddy Nandini" userId="cf4e4def5ddb983d" providerId="LiveId" clId="{E0587A0D-4A79-40C8-B87A-480D21FB515F}" dt="2025-09-08T08:35:44.028" v="460" actId="1076"/>
+          <ac:picMkLst>
+            <pc:docMk/>
+            <pc:sldMk cId="4129365160" sldId="270"/>
+            <ac:picMk id="15" creationId="{B7FF0145-3D5D-B93F-526C-0EB9BA4BF122}"/>
+          </ac:picMkLst>
+        </pc:picChg>
+        <pc:picChg chg="mod">
+          <ac:chgData name="Kamireddy Nandini" userId="cf4e4def5ddb983d" providerId="LiveId" clId="{E0587A0D-4A79-40C8-B87A-480D21FB515F}" dt="2025-09-08T08:35:49.664" v="462" actId="1076"/>
+          <ac:picMkLst>
+            <pc:docMk/>
+            <pc:sldMk cId="4129365160" sldId="270"/>
+            <ac:picMk id="17" creationId="{A6D4053A-5CB7-CB2A-5AA9-58B3207553AE}"/>
+          </ac:picMkLst>
+        </pc:picChg>
+      </pc:sldChg>
       <pc:sldChg chg="addSp modSp add mod ord">
         <pc:chgData name="Kamireddy Nandini" userId="cf4e4def5ddb983d" providerId="LiveId" clId="{E0587A0D-4A79-40C8-B87A-480D21FB515F}" dt="2025-09-07T18:53:33.157" v="270" actId="207"/>
         <pc:sldMkLst>
@@ -487,6 +544,249 @@
             <ac:spMk id="3" creationId="{5D8E8AE7-1B30-2F67-3481-C12725B8CE7F}"/>
           </ac:spMkLst>
         </pc:spChg>
+      </pc:sldChg>
+      <pc:sldChg chg="modSp new mod">
+        <pc:chgData name="Kamireddy Nandini" userId="cf4e4def5ddb983d" providerId="LiveId" clId="{E0587A0D-4A79-40C8-B87A-480D21FB515F}" dt="2025-09-08T08:31:04.185" v="430" actId="20577"/>
+        <pc:sldMkLst>
+          <pc:docMk/>
+          <pc:sldMk cId="4159255263" sldId="275"/>
+        </pc:sldMkLst>
+        <pc:spChg chg="mod">
+          <ac:chgData name="Kamireddy Nandini" userId="cf4e4def5ddb983d" providerId="LiveId" clId="{E0587A0D-4A79-40C8-B87A-480D21FB515F}" dt="2025-09-08T08:21:43.521" v="319" actId="1076"/>
+          <ac:spMkLst>
+            <pc:docMk/>
+            <pc:sldMk cId="4159255263" sldId="275"/>
+            <ac:spMk id="2" creationId="{1A946AF2-D17A-930D-1EB5-7181FF87D82A}"/>
+          </ac:spMkLst>
+        </pc:spChg>
+        <pc:spChg chg="mod">
+          <ac:chgData name="Kamireddy Nandini" userId="cf4e4def5ddb983d" providerId="LiveId" clId="{E0587A0D-4A79-40C8-B87A-480D21FB515F}" dt="2025-09-08T08:31:04.185" v="430" actId="20577"/>
+          <ac:spMkLst>
+            <pc:docMk/>
+            <pc:sldMk cId="4159255263" sldId="275"/>
+            <ac:spMk id="3" creationId="{EE1D400C-3E89-50CE-896C-34C0B10A4DBA}"/>
+          </ac:spMkLst>
+        </pc:spChg>
+      </pc:sldChg>
+      <pc:sldChg chg="addSp delSp modSp new mod">
+        <pc:chgData name="Kamireddy Nandini" userId="cf4e4def5ddb983d" providerId="LiveId" clId="{E0587A0D-4A79-40C8-B87A-480D21FB515F}" dt="2025-09-08T08:33:26.375" v="447" actId="1076"/>
+        <pc:sldMkLst>
+          <pc:docMk/>
+          <pc:sldMk cId="3499432635" sldId="276"/>
+        </pc:sldMkLst>
+        <pc:spChg chg="mod">
+          <ac:chgData name="Kamireddy Nandini" userId="cf4e4def5ddb983d" providerId="LiveId" clId="{E0587A0D-4A79-40C8-B87A-480D21FB515F}" dt="2025-09-08T08:33:21.520" v="446" actId="1076"/>
+          <ac:spMkLst>
+            <pc:docMk/>
+            <pc:sldMk cId="3499432635" sldId="276"/>
+            <ac:spMk id="2" creationId="{34C2365C-4689-BF15-FC18-078405CEDF9A}"/>
+          </ac:spMkLst>
+        </pc:spChg>
+        <pc:spChg chg="del">
+          <ac:chgData name="Kamireddy Nandini" userId="cf4e4def5ddb983d" providerId="LiveId" clId="{E0587A0D-4A79-40C8-B87A-480D21FB515F}" dt="2025-09-08T08:24:44.895" v="329" actId="21"/>
+          <ac:spMkLst>
+            <pc:docMk/>
+            <pc:sldMk cId="3499432635" sldId="276"/>
+            <ac:spMk id="3" creationId="{0A2E5429-E1D2-678B-159F-18FDF3162FEC}"/>
+          </ac:spMkLst>
+        </pc:spChg>
+        <pc:spChg chg="del">
+          <ac:chgData name="Kamireddy Nandini" userId="cf4e4def5ddb983d" providerId="LiveId" clId="{E0587A0D-4A79-40C8-B87A-480D21FB515F}" dt="2025-09-08T08:25:05.093" v="331" actId="931"/>
+          <ac:spMkLst>
+            <pc:docMk/>
+            <pc:sldMk cId="3499432635" sldId="276"/>
+            <ac:spMk id="4" creationId="{BED1FD9F-EBEC-35BF-BF45-81A1504F3E75}"/>
+          </ac:spMkLst>
+        </pc:spChg>
+        <pc:spChg chg="del">
+          <ac:chgData name="Kamireddy Nandini" userId="cf4e4def5ddb983d" providerId="LiveId" clId="{E0587A0D-4A79-40C8-B87A-480D21FB515F}" dt="2025-09-08T08:24:47.550" v="330" actId="21"/>
+          <ac:spMkLst>
+            <pc:docMk/>
+            <pc:sldMk cId="3499432635" sldId="276"/>
+            <ac:spMk id="5" creationId="{884FF17A-A167-9E30-45C6-218420E58415}"/>
+          </ac:spMkLst>
+        </pc:spChg>
+        <pc:spChg chg="del">
+          <ac:chgData name="Kamireddy Nandini" userId="cf4e4def5ddb983d" providerId="LiveId" clId="{E0587A0D-4A79-40C8-B87A-480D21FB515F}" dt="2025-09-08T08:31:52.328" v="431" actId="21"/>
+          <ac:spMkLst>
+            <pc:docMk/>
+            <pc:sldMk cId="3499432635" sldId="276"/>
+            <ac:spMk id="6" creationId="{8A03803B-47E1-ED10-1684-7A454DFA43B3}"/>
+          </ac:spMkLst>
+        </pc:spChg>
+        <pc:picChg chg="add mod">
+          <ac:chgData name="Kamireddy Nandini" userId="cf4e4def5ddb983d" providerId="LiveId" clId="{E0587A0D-4A79-40C8-B87A-480D21FB515F}" dt="2025-09-08T08:33:26.375" v="447" actId="1076"/>
+          <ac:picMkLst>
+            <pc:docMk/>
+            <pc:sldMk cId="3499432635" sldId="276"/>
+            <ac:picMk id="8" creationId="{3E2F2D27-ADA4-DBE6-26B8-AA4111606582}"/>
+          </ac:picMkLst>
+        </pc:picChg>
+      </pc:sldChg>
+      <pc:sldChg chg="addSp delSp modSp new mod ord">
+        <pc:chgData name="Kamireddy Nandini" userId="cf4e4def5ddb983d" providerId="LiveId" clId="{E0587A0D-4A79-40C8-B87A-480D21FB515F}" dt="2025-09-08T08:30:26.540" v="408" actId="1076"/>
+        <pc:sldMkLst>
+          <pc:docMk/>
+          <pc:sldMk cId="212282809" sldId="277"/>
+        </pc:sldMkLst>
+        <pc:spChg chg="mod">
+          <ac:chgData name="Kamireddy Nandini" userId="cf4e4def5ddb983d" providerId="LiveId" clId="{E0587A0D-4A79-40C8-B87A-480D21FB515F}" dt="2025-09-08T08:28:52.930" v="395" actId="1076"/>
+          <ac:spMkLst>
+            <pc:docMk/>
+            <pc:sldMk cId="212282809" sldId="277"/>
+            <ac:spMk id="2" creationId="{FA57B97E-439A-43F9-0660-EDAE96485E5D}"/>
+          </ac:spMkLst>
+        </pc:spChg>
+        <pc:spChg chg="del">
+          <ac:chgData name="Kamireddy Nandini" userId="cf4e4def5ddb983d" providerId="LiveId" clId="{E0587A0D-4A79-40C8-B87A-480D21FB515F}" dt="2025-09-08T08:25:57.931" v="339" actId="21"/>
+          <ac:spMkLst>
+            <pc:docMk/>
+            <pc:sldMk cId="212282809" sldId="277"/>
+            <ac:spMk id="3" creationId="{444842EB-1386-233A-71B4-A5D3F0715C16}"/>
+          </ac:spMkLst>
+        </pc:spChg>
+        <pc:spChg chg="del mod">
+          <ac:chgData name="Kamireddy Nandini" userId="cf4e4def5ddb983d" providerId="LiveId" clId="{E0587A0D-4A79-40C8-B87A-480D21FB515F}" dt="2025-09-08T08:27:29.149" v="380" actId="931"/>
+          <ac:spMkLst>
+            <pc:docMk/>
+            <pc:sldMk cId="212282809" sldId="277"/>
+            <ac:spMk id="4" creationId="{2FCB8496-B155-4AE2-2C04-F9B87898E163}"/>
+          </ac:spMkLst>
+        </pc:spChg>
+        <pc:spChg chg="del">
+          <ac:chgData name="Kamireddy Nandini" userId="cf4e4def5ddb983d" providerId="LiveId" clId="{E0587A0D-4A79-40C8-B87A-480D21FB515F}" dt="2025-09-08T08:26:00.812" v="340" actId="21"/>
+          <ac:spMkLst>
+            <pc:docMk/>
+            <pc:sldMk cId="212282809" sldId="277"/>
+            <ac:spMk id="5" creationId="{72502691-08F5-E56B-B434-7E4A9B9B9E8C}"/>
+          </ac:spMkLst>
+        </pc:spChg>
+        <pc:spChg chg="del mod">
+          <ac:chgData name="Kamireddy Nandini" userId="cf4e4def5ddb983d" providerId="LiveId" clId="{E0587A0D-4A79-40C8-B87A-480D21FB515F}" dt="2025-09-08T08:27:03.565" v="379" actId="21"/>
+          <ac:spMkLst>
+            <pc:docMk/>
+            <pc:sldMk cId="212282809" sldId="277"/>
+            <ac:spMk id="6" creationId="{9F204BD7-C759-9597-8EC8-F0F66202F118}"/>
+          </ac:spMkLst>
+        </pc:spChg>
+        <pc:spChg chg="add del mod">
+          <ac:chgData name="Kamireddy Nandini" userId="cf4e4def5ddb983d" providerId="LiveId" clId="{E0587A0D-4A79-40C8-B87A-480D21FB515F}" dt="2025-09-08T08:29:48.442" v="401" actId="931"/>
+          <ac:spMkLst>
+            <pc:docMk/>
+            <pc:sldMk cId="212282809" sldId="277"/>
+            <ac:spMk id="9" creationId="{D0165D39-EB8E-4CB0-DD8C-5CCABC234FFE}"/>
+          </ac:spMkLst>
+        </pc:spChg>
+        <pc:spChg chg="add del mod">
+          <ac:chgData name="Kamireddy Nandini" userId="cf4e4def5ddb983d" providerId="LiveId" clId="{E0587A0D-4A79-40C8-B87A-480D21FB515F}" dt="2025-09-08T08:29:37.278" v="400" actId="21"/>
+          <ac:spMkLst>
+            <pc:docMk/>
+            <pc:sldMk cId="212282809" sldId="277"/>
+            <ac:spMk id="11" creationId="{5E5E8556-366E-EB3B-8EA5-E587243B5730}"/>
+          </ac:spMkLst>
+        </pc:spChg>
+        <pc:picChg chg="add del mod">
+          <ac:chgData name="Kamireddy Nandini" userId="cf4e4def5ddb983d" providerId="LiveId" clId="{E0587A0D-4A79-40C8-B87A-480D21FB515F}" dt="2025-09-08T08:29:33.406" v="399" actId="21"/>
+          <ac:picMkLst>
+            <pc:docMk/>
+            <pc:sldMk cId="212282809" sldId="277"/>
+            <ac:picMk id="8" creationId="{BF625E66-DB09-377B-419E-CCDE6C715DED}"/>
+          </ac:picMkLst>
+        </pc:picChg>
+        <pc:picChg chg="add mod">
+          <ac:chgData name="Kamireddy Nandini" userId="cf4e4def5ddb983d" providerId="LiveId" clId="{E0587A0D-4A79-40C8-B87A-480D21FB515F}" dt="2025-09-08T08:30:26.540" v="408" actId="1076"/>
+          <ac:picMkLst>
+            <pc:docMk/>
+            <pc:sldMk cId="212282809" sldId="277"/>
+            <ac:picMk id="13" creationId="{FEF9E271-E2BF-0DFD-E70C-E75FDC26A7B4}"/>
+          </ac:picMkLst>
+        </pc:picChg>
+      </pc:sldChg>
+      <pc:sldChg chg="addSp delSp modSp new mod">
+        <pc:chgData name="Kamireddy Nandini" userId="cf4e4def5ddb983d" providerId="LiveId" clId="{E0587A0D-4A79-40C8-B87A-480D21FB515F}" dt="2025-09-08T08:37:32.511" v="463" actId="1076"/>
+        <pc:sldMkLst>
+          <pc:docMk/>
+          <pc:sldMk cId="3730994048" sldId="278"/>
+        </pc:sldMkLst>
+        <pc:spChg chg="del">
+          <ac:chgData name="Kamireddy Nandini" userId="cf4e4def5ddb983d" providerId="LiveId" clId="{E0587A0D-4A79-40C8-B87A-480D21FB515F}" dt="2025-09-08T08:34:22.975" v="449" actId="21"/>
+          <ac:spMkLst>
+            <pc:docMk/>
+            <pc:sldMk cId="3730994048" sldId="278"/>
+            <ac:spMk id="2" creationId="{AB9CFF67-C2EB-7E3D-8A02-C23D58687F85}"/>
+          </ac:spMkLst>
+        </pc:spChg>
+        <pc:spChg chg="del">
+          <ac:chgData name="Kamireddy Nandini" userId="cf4e4def5ddb983d" providerId="LiveId" clId="{E0587A0D-4A79-40C8-B87A-480D21FB515F}" dt="2025-09-08T08:34:37.730" v="450" actId="931"/>
+          <ac:spMkLst>
+            <pc:docMk/>
+            <pc:sldMk cId="3730994048" sldId="278"/>
+            <ac:spMk id="3" creationId="{849D84F5-01DE-0DE8-BBC8-6EF187497642}"/>
+          </ac:spMkLst>
+        </pc:spChg>
+        <pc:picChg chg="add mod">
+          <ac:chgData name="Kamireddy Nandini" userId="cf4e4def5ddb983d" providerId="LiveId" clId="{E0587A0D-4A79-40C8-B87A-480D21FB515F}" dt="2025-09-08T08:37:32.511" v="463" actId="1076"/>
+          <ac:picMkLst>
+            <pc:docMk/>
+            <pc:sldMk cId="3730994048" sldId="278"/>
+            <ac:picMk id="5" creationId="{B95502F8-3906-E45E-01F5-E850C2EFEF92}"/>
+          </ac:picMkLst>
+        </pc:picChg>
+      </pc:sldChg>
+      <pc:sldChg chg="addSp delSp modSp new mod ord">
+        <pc:chgData name="Kamireddy Nandini" userId="cf4e4def5ddb983d" providerId="LiveId" clId="{E0587A0D-4A79-40C8-B87A-480D21FB515F}" dt="2025-09-08T09:12:20.848" v="482" actId="1035"/>
+        <pc:sldMkLst>
+          <pc:docMk/>
+          <pc:sldMk cId="742423421" sldId="279"/>
+        </pc:sldMkLst>
+        <pc:spChg chg="del">
+          <ac:chgData name="Kamireddy Nandini" userId="cf4e4def5ddb983d" providerId="LiveId" clId="{E0587A0D-4A79-40C8-B87A-480D21FB515F}" dt="2025-09-08T09:11:14.888" v="469" actId="21"/>
+          <ac:spMkLst>
+            <pc:docMk/>
+            <pc:sldMk cId="742423421" sldId="279"/>
+            <ac:spMk id="2" creationId="{98674634-C4E0-0E3A-7743-7461A89CE628}"/>
+          </ac:spMkLst>
+        </pc:spChg>
+        <pc:spChg chg="del">
+          <ac:chgData name="Kamireddy Nandini" userId="cf4e4def5ddb983d" providerId="LiveId" clId="{E0587A0D-4A79-40C8-B87A-480D21FB515F}" dt="2025-09-08T09:11:20.198" v="470" actId="21"/>
+          <ac:spMkLst>
+            <pc:docMk/>
+            <pc:sldMk cId="742423421" sldId="279"/>
+            <ac:spMk id="3" creationId="{64FB4806-54EA-9278-C72E-21EA6352CB8E}"/>
+          </ac:spMkLst>
+        </pc:spChg>
+        <pc:spChg chg="del">
+          <ac:chgData name="Kamireddy Nandini" userId="cf4e4def5ddb983d" providerId="LiveId" clId="{E0587A0D-4A79-40C8-B87A-480D21FB515F}" dt="2025-09-08T09:11:48.564" v="473" actId="931"/>
+          <ac:spMkLst>
+            <pc:docMk/>
+            <pc:sldMk cId="742423421" sldId="279"/>
+            <ac:spMk id="4" creationId="{9AA9B90F-F27A-BF25-F597-0E5249233CA5}"/>
+          </ac:spMkLst>
+        </pc:spChg>
+        <pc:spChg chg="del">
+          <ac:chgData name="Kamireddy Nandini" userId="cf4e4def5ddb983d" providerId="LiveId" clId="{E0587A0D-4A79-40C8-B87A-480D21FB515F}" dt="2025-09-08T09:11:22.698" v="471" actId="21"/>
+          <ac:spMkLst>
+            <pc:docMk/>
+            <pc:sldMk cId="742423421" sldId="279"/>
+            <ac:spMk id="5" creationId="{A50DFE1C-0A2F-2127-BD1A-F3E9961C728D}"/>
+          </ac:spMkLst>
+        </pc:spChg>
+        <pc:spChg chg="del">
+          <ac:chgData name="Kamireddy Nandini" userId="cf4e4def5ddb983d" providerId="LiveId" clId="{E0587A0D-4A79-40C8-B87A-480D21FB515F}" dt="2025-09-08T09:11:25.734" v="472" actId="21"/>
+          <ac:spMkLst>
+            <pc:docMk/>
+            <pc:sldMk cId="742423421" sldId="279"/>
+            <ac:spMk id="6" creationId="{34400EC2-AD7C-4BF2-866C-A3C48DF268BD}"/>
+          </ac:spMkLst>
+        </pc:spChg>
+        <pc:picChg chg="add mod">
+          <ac:chgData name="Kamireddy Nandini" userId="cf4e4def5ddb983d" providerId="LiveId" clId="{E0587A0D-4A79-40C8-B87A-480D21FB515F}" dt="2025-09-08T09:12:20.848" v="482" actId="1035"/>
+          <ac:picMkLst>
+            <pc:docMk/>
+            <pc:sldMk cId="742423421" sldId="279"/>
+            <ac:picMk id="8" creationId="{95C33826-52C0-357C-08D4-A7626ED6B60A}"/>
+          </ac:picMkLst>
+        </pc:picChg>
       </pc:sldChg>
     </pc:docChg>
   </pc:docChgLst>
@@ -5847,6 +6147,208 @@
   <p:cSld>
     <p:spTree>
       <p:nvGrpSpPr>
+        <p:cNvPr id="1" name=""/>
+        <p:cNvGrpSpPr/>
+        <p:nvPr/>
+      </p:nvGrpSpPr>
+      <p:grpSpPr>
+        <a:xfrm>
+          <a:off x="0" y="0"/>
+          <a:ext cx="0" cy="0"/>
+          <a:chOff x="0" y="0"/>
+          <a:chExt cx="0" cy="0"/>
+        </a:xfrm>
+      </p:grpSpPr>
+      <p:sp>
+        <p:nvSpPr>
+          <p:cNvPr id="2" name="Title 1">
+            <a:extLst>
+              <a:ext uri="{FF2B5EF4-FFF2-40B4-BE49-F238E27FC236}">
+                <a16:creationId xmlns:a16="http://schemas.microsoft.com/office/drawing/2014/main" id="{1A946AF2-D17A-930D-1EB5-7181FF87D82A}"/>
+              </a:ext>
+            </a:extLst>
+          </p:cNvPr>
+          <p:cNvSpPr>
+            <a:spLocks noGrp="1"/>
+          </p:cNvSpPr>
+          <p:nvPr>
+            <p:ph type="ctrTitle"/>
+          </p:nvPr>
+        </p:nvSpPr>
+        <p:spPr>
+          <a:xfrm>
+            <a:off x="430824" y="423333"/>
+            <a:ext cx="9352154" cy="643467"/>
+          </a:xfrm>
+        </p:spPr>
+        <p:txBody>
+          <a:bodyPr>
+            <a:normAutofit/>
+          </a:bodyPr>
+          <a:lstStyle/>
+          <a:p>
+            <a:r>
+              <a:rPr lang="en-IN" sz="3600" b="1" dirty="0">
+                <a:solidFill>
+                  <a:schemeClr val="accent1"/>
+                </a:solidFill>
+                <a:latin typeface="Bell MT" panose="02020503060305020303" pitchFamily="18" charset="0"/>
+              </a:rPr>
+              <a:t>Jenkins &amp; Git Implementation :</a:t>
+            </a:r>
+          </a:p>
+        </p:txBody>
+      </p:sp>
+      <p:sp>
+        <p:nvSpPr>
+          <p:cNvPr id="3" name="Subtitle 2">
+            <a:extLst>
+              <a:ext uri="{FF2B5EF4-FFF2-40B4-BE49-F238E27FC236}">
+                <a16:creationId xmlns:a16="http://schemas.microsoft.com/office/drawing/2014/main" id="{EE1D400C-3E89-50CE-896C-34C0B10A4DBA}"/>
+              </a:ext>
+            </a:extLst>
+          </p:cNvPr>
+          <p:cNvSpPr>
+            <a:spLocks noGrp="1"/>
+          </p:cNvSpPr>
+          <p:nvPr>
+            <p:ph type="subTitle" idx="1"/>
+          </p:nvPr>
+        </p:nvSpPr>
+        <p:spPr>
+          <a:xfrm>
+            <a:off x="430824" y="1584593"/>
+            <a:ext cx="9947065" cy="5273407"/>
+          </a:xfrm>
+        </p:spPr>
+        <p:txBody>
+          <a:bodyPr>
+            <a:normAutofit/>
+          </a:bodyPr>
+          <a:lstStyle/>
+          <a:p>
+            <a:pPr marL="494030" indent="-457200">
+              <a:buFont typeface="Wingdings"/>
+              <a:buChar char="ü"/>
+            </a:pPr>
+            <a:r>
+              <a:rPr lang="en-US" sz="2400" dirty="0">
+                <a:solidFill>
+                  <a:schemeClr val="accent1"/>
+                </a:solidFill>
+              </a:rPr>
+              <a:t>GitHub repository for project version control</a:t>
+            </a:r>
+            <a:endParaRPr lang="en-US" sz="2400" dirty="0">
+              <a:solidFill>
+                <a:schemeClr val="accent1"/>
+              </a:solidFill>
+              <a:cs typeface="Arial"/>
+            </a:endParaRPr>
+          </a:p>
+          <a:p>
+            <a:pPr marL="494030" indent="-457200">
+              <a:buFont typeface="Wingdings"/>
+              <a:buChar char="ü"/>
+            </a:pPr>
+            <a:r>
+              <a:rPr lang="en-US" sz="2400" dirty="0">
+                <a:solidFill>
+                  <a:schemeClr val="accent1"/>
+                </a:solidFill>
+              </a:rPr>
+              <a:t>Jenkins integrated with Git for CI/CD</a:t>
+            </a:r>
+            <a:endParaRPr lang="en-US" sz="2400" dirty="0">
+              <a:solidFill>
+                <a:schemeClr val="accent1"/>
+              </a:solidFill>
+              <a:cs typeface="Arial"/>
+            </a:endParaRPr>
+          </a:p>
+          <a:p>
+            <a:pPr marL="494030" indent="-457200">
+              <a:buFont typeface="Wingdings"/>
+              <a:buChar char="ü"/>
+            </a:pPr>
+            <a:r>
+              <a:rPr lang="en-US" sz="2400" dirty="0">
+                <a:solidFill>
+                  <a:schemeClr val="accent1"/>
+                </a:solidFill>
+              </a:rPr>
+              <a:t>Automated build trigger on commit</a:t>
+            </a:r>
+            <a:endParaRPr lang="en-US" sz="2400" dirty="0">
+              <a:solidFill>
+                <a:schemeClr val="accent1"/>
+              </a:solidFill>
+              <a:cs typeface="Arial"/>
+            </a:endParaRPr>
+          </a:p>
+          <a:p>
+            <a:pPr marL="494030" indent="-457200">
+              <a:buFont typeface="Wingdings"/>
+              <a:buChar char="ü"/>
+            </a:pPr>
+            <a:r>
+              <a:rPr lang="en-US" sz="2400" dirty="0">
+                <a:solidFill>
+                  <a:schemeClr val="accent1"/>
+                </a:solidFill>
+              </a:rPr>
+              <a:t>Test execution (Selenium + TestNG + Allure)</a:t>
+            </a:r>
+            <a:endParaRPr lang="en-US" sz="2400" dirty="0">
+              <a:solidFill>
+                <a:schemeClr val="accent1"/>
+              </a:solidFill>
+              <a:cs typeface="Arial"/>
+            </a:endParaRPr>
+          </a:p>
+          <a:p>
+            <a:pPr marL="494030" indent="-457200">
+              <a:buFont typeface="Wingdings"/>
+              <a:buChar char="ü"/>
+            </a:pPr>
+            <a:r>
+              <a:rPr lang="en-US" sz="2400" dirty="0">
+                <a:solidFill>
+                  <a:schemeClr val="accent1"/>
+                </a:solidFill>
+              </a:rPr>
+              <a:t>Report generation after each build</a:t>
+            </a:r>
+            <a:endParaRPr lang="en-US" sz="2400" dirty="0">
+              <a:solidFill>
+                <a:schemeClr val="accent1"/>
+              </a:solidFill>
+              <a:cs typeface="Arial"/>
+            </a:endParaRPr>
+          </a:p>
+          <a:p>
+            <a:endParaRPr lang="en-IN" dirty="0"/>
+          </a:p>
+        </p:txBody>
+      </p:sp>
+    </p:spTree>
+    <p:extLst>
+      <p:ext uri="{BB962C8B-B14F-4D97-AF65-F5344CB8AC3E}">
+        <p14:creationId xmlns:p14="http://schemas.microsoft.com/office/powerpoint/2010/main" val="4159255263"/>
+      </p:ext>
+    </p:extLst>
+  </p:cSld>
+  <p:clrMapOvr>
+    <a:masterClrMapping/>
+  </p:clrMapOvr>
+</p:sld>
+</file>
+
+<file path=ppt/slides/slide11.xml><?xml version="1.0" encoding="utf-8"?>
+<p:sld xmlns:a="http://schemas.openxmlformats.org/drawingml/2006/main" xmlns:r="http://schemas.openxmlformats.org/officeDocument/2006/relationships" xmlns:p="http://schemas.openxmlformats.org/presentationml/2006/main">
+  <p:cSld>
+    <p:spTree>
+      <p:nvGrpSpPr>
         <p:cNvPr id="1" name="">
           <a:extLst>
             <a:ext uri="{FF2B5EF4-FFF2-40B4-BE49-F238E27FC236}">
@@ -6364,7 +6866,7 @@
 </p:sld>
 </file>
 
-<file path=ppt/slides/slide11.xml><?xml version="1.0" encoding="utf-8"?>
+<file path=ppt/slides/slide12.xml><?xml version="1.0" encoding="utf-8"?>
 <p:sld xmlns:a="http://schemas.openxmlformats.org/drawingml/2006/main" xmlns:r="http://schemas.openxmlformats.org/officeDocument/2006/relationships" xmlns:p="http://schemas.openxmlformats.org/presentationml/2006/main">
   <p:cSld>
     <p:spTree>
@@ -6550,7 +7052,110 @@
 </p:sld>
 </file>
 
-<file path=ppt/slides/slide12.xml><?xml version="1.0" encoding="utf-8"?>
+<file path=ppt/slides/slide13.xml><?xml version="1.0" encoding="utf-8"?>
+<p:sld xmlns:a="http://schemas.openxmlformats.org/drawingml/2006/main" xmlns:r="http://schemas.openxmlformats.org/officeDocument/2006/relationships" xmlns:p="http://schemas.openxmlformats.org/presentationml/2006/main">
+  <p:cSld>
+    <p:spTree>
+      <p:nvGrpSpPr>
+        <p:cNvPr id="1" name=""/>
+        <p:cNvGrpSpPr/>
+        <p:nvPr/>
+      </p:nvGrpSpPr>
+      <p:grpSpPr>
+        <a:xfrm>
+          <a:off x="0" y="0"/>
+          <a:ext cx="0" cy="0"/>
+          <a:chOff x="0" y="0"/>
+          <a:chExt cx="0" cy="0"/>
+        </a:xfrm>
+      </p:grpSpPr>
+      <p:sp>
+        <p:nvSpPr>
+          <p:cNvPr id="2" name="Title 1">
+            <a:extLst>
+              <a:ext uri="{FF2B5EF4-FFF2-40B4-BE49-F238E27FC236}">
+                <a16:creationId xmlns:a16="http://schemas.microsoft.com/office/drawing/2014/main" id="{FA57B97E-439A-43F9-0660-EDAE96485E5D}"/>
+              </a:ext>
+            </a:extLst>
+          </p:cNvPr>
+          <p:cNvSpPr>
+            <a:spLocks noGrp="1"/>
+          </p:cNvSpPr>
+          <p:nvPr>
+            <p:ph type="title"/>
+          </p:nvPr>
+        </p:nvSpPr>
+        <p:spPr>
+          <a:xfrm>
+            <a:off x="430823" y="-110169"/>
+            <a:ext cx="8534400" cy="1507067"/>
+          </a:xfrm>
+        </p:spPr>
+        <p:txBody>
+          <a:bodyPr/>
+          <a:lstStyle/>
+          <a:p>
+            <a:r>
+              <a:rPr lang="en-IN" b="1" dirty="0">
+                <a:solidFill>
+                  <a:schemeClr val="accent1"/>
+                </a:solidFill>
+                <a:latin typeface="Bell MT" panose="02020503060305020303" pitchFamily="18" charset="0"/>
+              </a:rPr>
+              <a:t>Outcome :</a:t>
+            </a:r>
+          </a:p>
+        </p:txBody>
+      </p:sp>
+      <p:pic>
+        <p:nvPicPr>
+          <p:cNvPr id="13" name="Content Placeholder 12" descr="A screenshot of a computer&#10;&#10;AI-generated content may be incorrect.">
+            <a:extLst>
+              <a:ext uri="{FF2B5EF4-FFF2-40B4-BE49-F238E27FC236}">
+                <a16:creationId xmlns:a16="http://schemas.microsoft.com/office/drawing/2014/main" id="{FEF9E271-E2BF-0DFD-E70C-E75FDC26A7B4}"/>
+              </a:ext>
+            </a:extLst>
+          </p:cNvPr>
+          <p:cNvPicPr>
+            <a:picLocks noGrp="1" noChangeAspect="1"/>
+          </p:cNvPicPr>
+          <p:nvPr>
+            <p:ph sz="quarter" idx="4"/>
+          </p:nvPr>
+        </p:nvPicPr>
+        <p:blipFill>
+          <a:blip r:embed="rId2">
+            <a:extLst>
+              <a:ext uri="{28A0092B-C50C-407E-A947-70E740481C1C}">
+                <a14:useLocalDpi xmlns:a14="http://schemas.microsoft.com/office/drawing/2010/main" val="0"/>
+              </a:ext>
+            </a:extLst>
+          </a:blip>
+          <a:stretch>
+            <a:fillRect/>
+          </a:stretch>
+        </p:blipFill>
+        <p:spPr>
+          <a:xfrm>
+            <a:off x="947450" y="1012176"/>
+            <a:ext cx="10572799" cy="5542859"/>
+          </a:xfrm>
+        </p:spPr>
+      </p:pic>
+    </p:spTree>
+    <p:extLst>
+      <p:ext uri="{BB962C8B-B14F-4D97-AF65-F5344CB8AC3E}">
+        <p14:creationId xmlns:p14="http://schemas.microsoft.com/office/powerpoint/2010/main" val="212282809"/>
+      </p:ext>
+    </p:extLst>
+  </p:cSld>
+  <p:clrMapOvr>
+    <a:masterClrMapping/>
+  </p:clrMapOvr>
+</p:sld>
+</file>
+
+<file path=ppt/slides/slide14.xml><?xml version="1.0" encoding="utf-8"?>
 <p:sld xmlns:a="http://schemas.openxmlformats.org/drawingml/2006/main" xmlns:r="http://schemas.openxmlformats.org/officeDocument/2006/relationships" xmlns:p="http://schemas.openxmlformats.org/presentationml/2006/main">
   <p:cSld>
     <p:spTree>
@@ -6688,7 +7293,7 @@
 </p:sld>
 </file>
 
-<file path=ppt/slides/slide13.xml><?xml version="1.0" encoding="utf-8"?>
+<file path=ppt/slides/slide15.xml><?xml version="1.0" encoding="utf-8"?>
 <p:sld xmlns:a="http://schemas.openxmlformats.org/drawingml/2006/main" xmlns:r="http://schemas.openxmlformats.org/officeDocument/2006/relationships" xmlns:p="http://schemas.openxmlformats.org/presentationml/2006/main">
   <p:cSld>
     <p:spTree>
@@ -6735,7 +7340,7 @@
         </p:blipFill>
         <p:spPr>
           <a:xfrm>
-            <a:off x="6303798" y="380713"/>
+            <a:off x="6303798" y="779897"/>
             <a:ext cx="5591821" cy="2649103"/>
           </a:xfrm>
         </p:spPr>
@@ -6768,7 +7373,7 @@
         </p:blipFill>
         <p:spPr>
           <a:xfrm>
-            <a:off x="400277" y="3423043"/>
+            <a:off x="400279" y="3828184"/>
             <a:ext cx="5695723" cy="2649104"/>
           </a:xfrm>
           <a:prstGeom prst="rect">
@@ -6806,7 +7411,7 @@
         </p:blipFill>
         <p:spPr>
           <a:xfrm>
-            <a:off x="6300534" y="3401547"/>
+            <a:off x="6303798" y="3828184"/>
             <a:ext cx="5591821" cy="2670600"/>
           </a:xfrm>
         </p:spPr>
@@ -6839,7 +7444,7 @@
         </p:blipFill>
         <p:spPr>
           <a:xfrm>
-            <a:off x="400279" y="380713"/>
+            <a:off x="400279" y="779896"/>
             <a:ext cx="5695721" cy="2649104"/>
           </a:xfrm>
           <a:prstGeom prst="rect">
@@ -6860,7 +7465,7 @@
 </p:sld>
 </file>
 
-<file path=ppt/slides/slide14.xml><?xml version="1.0" encoding="utf-8"?>
+<file path=ppt/slides/slide16.xml><?xml version="1.0" encoding="utf-8"?>
 <p:sld xmlns:a="http://schemas.openxmlformats.org/drawingml/2006/main" xmlns:r="http://schemas.openxmlformats.org/officeDocument/2006/relationships" xmlns:p="http://schemas.openxmlformats.org/presentationml/2006/main">
   <p:cSld>
     <p:spTree>
@@ -6925,617 +7530,7 @@
 </p:sld>
 </file>
 
-<file path=ppt/slides/slide15.xml><?xml version="1.0" encoding="utf-8"?>
-<p:sld xmlns:a="http://schemas.openxmlformats.org/drawingml/2006/main" xmlns:r="http://schemas.openxmlformats.org/officeDocument/2006/relationships" xmlns:p="http://schemas.openxmlformats.org/presentationml/2006/main">
-  <p:cSld>
-    <p:spTree>
-      <p:nvGrpSpPr>
-        <p:cNvPr id="1" name="">
-          <a:extLst>
-            <a:ext uri="{FF2B5EF4-FFF2-40B4-BE49-F238E27FC236}">
-              <a16:creationId xmlns:a16="http://schemas.microsoft.com/office/drawing/2014/main" id="{E76D6207-CACF-E27D-F422-C685E1BBC6EC}"/>
-            </a:ext>
-          </a:extLst>
-        </p:cNvPr>
-        <p:cNvGrpSpPr/>
-        <p:nvPr/>
-      </p:nvGrpSpPr>
-      <p:grpSpPr>
-        <a:xfrm>
-          <a:off x="0" y="0"/>
-          <a:ext cx="0" cy="0"/>
-          <a:chOff x="0" y="0"/>
-          <a:chExt cx="0" cy="0"/>
-        </a:xfrm>
-      </p:grpSpPr>
-      <p:sp>
-        <p:nvSpPr>
-          <p:cNvPr id="2" name="Title 1">
-            <a:extLst>
-              <a:ext uri="{FF2B5EF4-FFF2-40B4-BE49-F238E27FC236}">
-                <a16:creationId xmlns:a16="http://schemas.microsoft.com/office/drawing/2014/main" id="{BEEB52A0-8DC6-789B-912C-70517A6FEF57}"/>
-              </a:ext>
-            </a:extLst>
-          </p:cNvPr>
-          <p:cNvSpPr>
-            <a:spLocks noGrp="1"/>
-          </p:cNvSpPr>
-          <p:nvPr>
-            <p:ph type="title"/>
-          </p:nvPr>
-        </p:nvSpPr>
-        <p:spPr>
-          <a:xfrm>
-            <a:off x="397774" y="256855"/>
-            <a:ext cx="8534400" cy="1507067"/>
-          </a:xfrm>
-        </p:spPr>
-        <p:txBody>
-          <a:bodyPr/>
-          <a:lstStyle/>
-          <a:p>
-            <a:r>
-              <a:rPr lang="en-IN" b="1" dirty="0">
-                <a:solidFill>
-                  <a:schemeClr val="accent1"/>
-                </a:solidFill>
-                <a:latin typeface="Bell MT" panose="02020503060305020303" pitchFamily="18" charset="0"/>
-              </a:rPr>
-              <a:t>conclusion :</a:t>
-            </a:r>
-            <a:br>
-              <a:rPr lang="en-IN" b="1" u="sng" dirty="0">
-                <a:solidFill>
-                  <a:schemeClr val="accent1"/>
-                </a:solidFill>
-              </a:rPr>
-            </a:br>
-            <a:endParaRPr lang="en-IN" u="sng" dirty="0">
-              <a:solidFill>
-                <a:schemeClr val="accent1"/>
-              </a:solidFill>
-            </a:endParaRPr>
-          </a:p>
-        </p:txBody>
-      </p:sp>
-      <p:sp>
-        <p:nvSpPr>
-          <p:cNvPr id="3" name="Content Placeholder 2">
-            <a:extLst>
-              <a:ext uri="{FF2B5EF4-FFF2-40B4-BE49-F238E27FC236}">
-                <a16:creationId xmlns:a16="http://schemas.microsoft.com/office/drawing/2014/main" id="{445C8361-1AF2-2674-9A36-0A3D2994FD52}"/>
-              </a:ext>
-            </a:extLst>
-          </p:cNvPr>
-          <p:cNvSpPr>
-            <a:spLocks noGrp="1"/>
-          </p:cNvSpPr>
-          <p:nvPr>
-            <p:ph idx="1"/>
-          </p:nvPr>
-        </p:nvSpPr>
-        <p:spPr>
-          <a:xfrm>
-            <a:off x="397774" y="938421"/>
-            <a:ext cx="8534400" cy="2734528"/>
-          </a:xfrm>
-        </p:spPr>
-        <p:txBody>
-          <a:bodyPr>
-            <a:normAutofit/>
-          </a:bodyPr>
-          <a:lstStyle/>
-          <a:p>
-            <a:r>
-              <a:rPr lang="en-US" sz="2400" dirty="0">
-                <a:solidFill>
-                  <a:schemeClr val="accent1"/>
-                </a:solidFill>
-              </a:rPr>
-              <a:t>Project successfully automated Sauce Demo website.</a:t>
-            </a:r>
-          </a:p>
-          <a:p>
-            <a:r>
-              <a:rPr lang="en-US" sz="2400" dirty="0">
-                <a:solidFill>
-                  <a:schemeClr val="accent1"/>
-                </a:solidFill>
-              </a:rPr>
-              <a:t>Improved efficiency, reliability, and reusability.</a:t>
-            </a:r>
-          </a:p>
-          <a:p>
-            <a:r>
-              <a:rPr lang="en-US" sz="2400" dirty="0">
-                <a:solidFill>
-                  <a:schemeClr val="accent1"/>
-                </a:solidFill>
-              </a:rPr>
-              <a:t>Ready for integration into real-time pipelines.</a:t>
-            </a:r>
-          </a:p>
-          <a:p>
-            <a:endParaRPr lang="en-IN" sz="2400" dirty="0">
-              <a:solidFill>
-                <a:schemeClr val="accent1"/>
-              </a:solidFill>
-            </a:endParaRPr>
-          </a:p>
-        </p:txBody>
-      </p:sp>
-      <p:sp>
-        <p:nvSpPr>
-          <p:cNvPr id="4" name="Title 1">
-            <a:extLst>
-              <a:ext uri="{FF2B5EF4-FFF2-40B4-BE49-F238E27FC236}">
-                <a16:creationId xmlns:a16="http://schemas.microsoft.com/office/drawing/2014/main" id="{7D9B90EA-D6A0-A4A6-B1EF-C9B228D4511B}"/>
-              </a:ext>
-            </a:extLst>
-          </p:cNvPr>
-          <p:cNvSpPr txBox="1">
-            <a:spLocks/>
-          </p:cNvSpPr>
-          <p:nvPr/>
-        </p:nvSpPr>
-        <p:spPr>
-          <a:xfrm>
-            <a:off x="397774" y="3262035"/>
-            <a:ext cx="8534400" cy="1507067"/>
-          </a:xfrm>
-          <a:prstGeom prst="rect">
-            <a:avLst/>
-          </a:prstGeom>
-          <a:effectLst/>
-        </p:spPr>
-        <p:txBody>
-          <a:bodyPr vert="horz" lIns="91440" tIns="45720" rIns="91440" bIns="45720" rtlCol="0" anchor="ctr">
-            <a:normAutofit/>
-          </a:bodyPr>
-          <a:lstStyle>
-            <a:lvl1pPr algn="l" defTabSz="457200" rtl="0" eaLnBrk="1" latinLnBrk="0" hangingPunct="1">
-              <a:spcBef>
-                <a:spcPct val="0"/>
-              </a:spcBef>
-              <a:buNone/>
-              <a:defRPr sz="3600" kern="1200" cap="all">
-                <a:ln w="3175" cmpd="sng">
-                  <a:noFill/>
-                </a:ln>
-                <a:solidFill>
-                  <a:schemeClr val="tx1"/>
-                </a:solidFill>
-                <a:effectLst/>
-                <a:latin typeface="+mj-lt"/>
-                <a:ea typeface="+mj-ea"/>
-                <a:cs typeface="+mj-cs"/>
-              </a:defRPr>
-            </a:lvl1pPr>
-            <a:lvl2pPr eaLnBrk="1" hangingPunct="1">
-              <a:defRPr>
-                <a:solidFill>
-                  <a:schemeClr val="tx2"/>
-                </a:solidFill>
-              </a:defRPr>
-            </a:lvl2pPr>
-            <a:lvl3pPr eaLnBrk="1" hangingPunct="1">
-              <a:defRPr>
-                <a:solidFill>
-                  <a:schemeClr val="tx2"/>
-                </a:solidFill>
-              </a:defRPr>
-            </a:lvl3pPr>
-            <a:lvl4pPr eaLnBrk="1" hangingPunct="1">
-              <a:defRPr>
-                <a:solidFill>
-                  <a:schemeClr val="tx2"/>
-                </a:solidFill>
-              </a:defRPr>
-            </a:lvl4pPr>
-            <a:lvl5pPr eaLnBrk="1" hangingPunct="1">
-              <a:defRPr>
-                <a:solidFill>
-                  <a:schemeClr val="tx2"/>
-                </a:solidFill>
-              </a:defRPr>
-            </a:lvl5pPr>
-            <a:lvl6pPr eaLnBrk="1" hangingPunct="1">
-              <a:defRPr>
-                <a:solidFill>
-                  <a:schemeClr val="tx2"/>
-                </a:solidFill>
-              </a:defRPr>
-            </a:lvl6pPr>
-            <a:lvl7pPr eaLnBrk="1" hangingPunct="1">
-              <a:defRPr>
-                <a:solidFill>
-                  <a:schemeClr val="tx2"/>
-                </a:solidFill>
-              </a:defRPr>
-            </a:lvl7pPr>
-            <a:lvl8pPr eaLnBrk="1" hangingPunct="1">
-              <a:defRPr>
-                <a:solidFill>
-                  <a:schemeClr val="tx2"/>
-                </a:solidFill>
-              </a:defRPr>
-            </a:lvl8pPr>
-            <a:lvl9pPr eaLnBrk="1" hangingPunct="1">
-              <a:defRPr>
-                <a:solidFill>
-                  <a:schemeClr val="tx2"/>
-                </a:solidFill>
-              </a:defRPr>
-            </a:lvl9pPr>
-          </a:lstStyle>
-          <a:p>
-            <a:r>
-              <a:rPr lang="en-IN" b="1" dirty="0">
-                <a:solidFill>
-                  <a:schemeClr val="accent1"/>
-                </a:solidFill>
-                <a:latin typeface="Bell MT" panose="02020503060305020303" pitchFamily="18" charset="0"/>
-              </a:rPr>
-              <a:t>References &amp; links :</a:t>
-            </a:r>
-            <a:br>
-              <a:rPr lang="en-IN" b="1" u="sng" dirty="0">
-                <a:solidFill>
-                  <a:schemeClr val="accent1"/>
-                </a:solidFill>
-              </a:rPr>
-            </a:br>
-            <a:endParaRPr lang="en-IN" u="sng" dirty="0">
-              <a:solidFill>
-                <a:schemeClr val="accent1"/>
-              </a:solidFill>
-            </a:endParaRPr>
-          </a:p>
-        </p:txBody>
-      </p:sp>
-      <p:sp>
-        <p:nvSpPr>
-          <p:cNvPr id="5" name="Content Placeholder 2">
-            <a:extLst>
-              <a:ext uri="{FF2B5EF4-FFF2-40B4-BE49-F238E27FC236}">
-                <a16:creationId xmlns:a16="http://schemas.microsoft.com/office/drawing/2014/main" id="{632AC78E-8E5C-6F4D-4F58-65706BD50AE1}"/>
-              </a:ext>
-            </a:extLst>
-          </p:cNvPr>
-          <p:cNvSpPr txBox="1">
-            <a:spLocks/>
-          </p:cNvSpPr>
-          <p:nvPr/>
-        </p:nvSpPr>
-        <p:spPr>
-          <a:xfrm>
-            <a:off x="397774" y="3861332"/>
-            <a:ext cx="10763231" cy="2734528"/>
-          </a:xfrm>
-          <a:prstGeom prst="rect">
-            <a:avLst/>
-          </a:prstGeom>
-        </p:spPr>
-        <p:txBody>
-          <a:bodyPr vert="horz" lIns="91440" tIns="45720" rIns="91440" bIns="45720" rtlCol="0" anchor="ctr">
-            <a:normAutofit/>
-          </a:bodyPr>
-          <a:lstStyle>
-            <a:lvl1pPr marL="285750" indent="-285750" algn="l" defTabSz="457200" rtl="0" eaLnBrk="1" latinLnBrk="0" hangingPunct="1">
-              <a:spcBef>
-                <a:spcPct val="20000"/>
-              </a:spcBef>
-              <a:spcAft>
-                <a:spcPts val="600"/>
-              </a:spcAft>
-              <a:buClr>
-                <a:schemeClr val="tx1"/>
-              </a:buClr>
-              <a:buSzPct val="80000"/>
-              <a:buFont typeface="Wingdings 3" panose="05040102010807070707" pitchFamily="18" charset="2"/>
-              <a:buChar char=""/>
-              <a:defRPr sz="2000" kern="1200" cap="none">
-                <a:solidFill>
-                  <a:schemeClr val="bg2">
-                    <a:lumMod val="50000"/>
-                  </a:schemeClr>
-                </a:solidFill>
-                <a:effectLst/>
-                <a:latin typeface="+mn-lt"/>
-                <a:ea typeface="+mn-ea"/>
-                <a:cs typeface="+mn-cs"/>
-              </a:defRPr>
-            </a:lvl1pPr>
-            <a:lvl2pPr marL="742950" indent="-285750" algn="l" defTabSz="457200" rtl="0" eaLnBrk="1" latinLnBrk="0" hangingPunct="1">
-              <a:spcBef>
-                <a:spcPct val="20000"/>
-              </a:spcBef>
-              <a:spcAft>
-                <a:spcPts val="600"/>
-              </a:spcAft>
-              <a:buClr>
-                <a:schemeClr val="tx1"/>
-              </a:buClr>
-              <a:buSzPct val="80000"/>
-              <a:buFont typeface="Wingdings 3" panose="05040102010807070707" pitchFamily="18" charset="2"/>
-              <a:buChar char=""/>
-              <a:defRPr sz="1800" kern="1200" cap="none">
-                <a:solidFill>
-                  <a:schemeClr val="bg2">
-                    <a:lumMod val="50000"/>
-                  </a:schemeClr>
-                </a:solidFill>
-                <a:effectLst/>
-                <a:latin typeface="+mn-lt"/>
-                <a:ea typeface="+mn-ea"/>
-                <a:cs typeface="+mn-cs"/>
-              </a:defRPr>
-            </a:lvl2pPr>
-            <a:lvl3pPr marL="1200150" indent="-285750" algn="l" defTabSz="457200" rtl="0" eaLnBrk="1" latinLnBrk="0" hangingPunct="1">
-              <a:spcBef>
-                <a:spcPct val="20000"/>
-              </a:spcBef>
-              <a:spcAft>
-                <a:spcPts val="600"/>
-              </a:spcAft>
-              <a:buClr>
-                <a:schemeClr val="tx1"/>
-              </a:buClr>
-              <a:buSzPct val="80000"/>
-              <a:buFont typeface="Wingdings 3" panose="05040102010807070707" pitchFamily="18" charset="2"/>
-              <a:buChar char=""/>
-              <a:defRPr sz="1600" kern="1200" cap="none">
-                <a:solidFill>
-                  <a:schemeClr val="bg2">
-                    <a:lumMod val="50000"/>
-                  </a:schemeClr>
-                </a:solidFill>
-                <a:effectLst/>
-                <a:latin typeface="+mn-lt"/>
-                <a:ea typeface="+mn-ea"/>
-                <a:cs typeface="+mn-cs"/>
-              </a:defRPr>
-            </a:lvl3pPr>
-            <a:lvl4pPr marL="1543050" indent="-171450" algn="l" defTabSz="457200" rtl="0" eaLnBrk="1" latinLnBrk="0" hangingPunct="1">
-              <a:spcBef>
-                <a:spcPct val="20000"/>
-              </a:spcBef>
-              <a:spcAft>
-                <a:spcPts val="600"/>
-              </a:spcAft>
-              <a:buClr>
-                <a:schemeClr val="tx1"/>
-              </a:buClr>
-              <a:buSzPct val="80000"/>
-              <a:buFont typeface="Wingdings 3" panose="05040102010807070707" pitchFamily="18" charset="2"/>
-              <a:buChar char=""/>
-              <a:defRPr sz="1400" kern="1200" cap="none">
-                <a:solidFill>
-                  <a:schemeClr val="bg2">
-                    <a:lumMod val="50000"/>
-                  </a:schemeClr>
-                </a:solidFill>
-                <a:effectLst/>
-                <a:latin typeface="+mn-lt"/>
-                <a:ea typeface="+mn-ea"/>
-                <a:cs typeface="+mn-cs"/>
-              </a:defRPr>
-            </a:lvl4pPr>
-            <a:lvl5pPr marL="2114550" indent="-285750" algn="l" defTabSz="457200" rtl="0" eaLnBrk="1" latinLnBrk="0" hangingPunct="1">
-              <a:spcBef>
-                <a:spcPct val="20000"/>
-              </a:spcBef>
-              <a:spcAft>
-                <a:spcPts val="600"/>
-              </a:spcAft>
-              <a:buClr>
-                <a:schemeClr val="tx1"/>
-              </a:buClr>
-              <a:buSzPct val="80000"/>
-              <a:buFont typeface="Wingdings 3" panose="05040102010807070707" pitchFamily="18" charset="2"/>
-              <a:buChar char=""/>
-              <a:defRPr sz="1400" kern="1200" cap="none">
-                <a:solidFill>
-                  <a:schemeClr val="bg2">
-                    <a:lumMod val="50000"/>
-                  </a:schemeClr>
-                </a:solidFill>
-                <a:effectLst/>
-                <a:latin typeface="+mn-lt"/>
-                <a:ea typeface="+mn-ea"/>
-                <a:cs typeface="+mn-cs"/>
-              </a:defRPr>
-            </a:lvl5pPr>
-            <a:lvl6pPr marL="2514600" indent="-228600" algn="l" defTabSz="457200" rtl="0" eaLnBrk="1" latinLnBrk="0" hangingPunct="1">
-              <a:spcBef>
-                <a:spcPct val="20000"/>
-              </a:spcBef>
-              <a:spcAft>
-                <a:spcPts val="600"/>
-              </a:spcAft>
-              <a:buClr>
-                <a:schemeClr val="tx1"/>
-              </a:buClr>
-              <a:buSzPct val="80000"/>
-              <a:buFont typeface="Wingdings 3" panose="05040102010807070707" pitchFamily="18" charset="2"/>
-              <a:buChar char=""/>
-              <a:defRPr sz="1400" kern="1200" cap="none">
-                <a:solidFill>
-                  <a:schemeClr val="bg2">
-                    <a:lumMod val="50000"/>
-                  </a:schemeClr>
-                </a:solidFill>
-                <a:effectLst/>
-                <a:latin typeface="+mn-lt"/>
-                <a:ea typeface="+mn-ea"/>
-                <a:cs typeface="+mn-cs"/>
-              </a:defRPr>
-            </a:lvl6pPr>
-            <a:lvl7pPr marL="2971800" indent="-228600" algn="l" defTabSz="457200" rtl="0" eaLnBrk="1" latinLnBrk="0" hangingPunct="1">
-              <a:spcBef>
-                <a:spcPct val="20000"/>
-              </a:spcBef>
-              <a:spcAft>
-                <a:spcPts val="600"/>
-              </a:spcAft>
-              <a:buClr>
-                <a:schemeClr val="tx1"/>
-              </a:buClr>
-              <a:buSzPct val="80000"/>
-              <a:buFont typeface="Wingdings 3" panose="05040102010807070707" pitchFamily="18" charset="2"/>
-              <a:buChar char=""/>
-              <a:defRPr sz="1400" kern="1200" cap="none">
-                <a:solidFill>
-                  <a:schemeClr val="bg2">
-                    <a:lumMod val="50000"/>
-                  </a:schemeClr>
-                </a:solidFill>
-                <a:effectLst/>
-                <a:latin typeface="+mn-lt"/>
-                <a:ea typeface="+mn-ea"/>
-                <a:cs typeface="+mn-cs"/>
-              </a:defRPr>
-            </a:lvl7pPr>
-            <a:lvl8pPr marL="3429000" indent="-228600" algn="l" defTabSz="457200" rtl="0" eaLnBrk="1" latinLnBrk="0" hangingPunct="1">
-              <a:spcBef>
-                <a:spcPct val="20000"/>
-              </a:spcBef>
-              <a:spcAft>
-                <a:spcPts val="600"/>
-              </a:spcAft>
-              <a:buClr>
-                <a:schemeClr val="tx1"/>
-              </a:buClr>
-              <a:buSzPct val="80000"/>
-              <a:buFont typeface="Wingdings 3" panose="05040102010807070707" pitchFamily="18" charset="2"/>
-              <a:buChar char=""/>
-              <a:defRPr sz="1400" kern="1200" cap="none">
-                <a:solidFill>
-                  <a:schemeClr val="bg2">
-                    <a:lumMod val="50000"/>
-                  </a:schemeClr>
-                </a:solidFill>
-                <a:effectLst/>
-                <a:latin typeface="+mn-lt"/>
-                <a:ea typeface="+mn-ea"/>
-                <a:cs typeface="+mn-cs"/>
-              </a:defRPr>
-            </a:lvl8pPr>
-            <a:lvl9pPr marL="3886200" indent="-228600" algn="l" defTabSz="457200" rtl="0" eaLnBrk="1" latinLnBrk="0" hangingPunct="1">
-              <a:spcBef>
-                <a:spcPct val="20000"/>
-              </a:spcBef>
-              <a:spcAft>
-                <a:spcPts val="600"/>
-              </a:spcAft>
-              <a:buClr>
-                <a:schemeClr val="tx1"/>
-              </a:buClr>
-              <a:buSzPct val="80000"/>
-              <a:buFont typeface="Wingdings 3" panose="05040102010807070707" pitchFamily="18" charset="2"/>
-              <a:buChar char=""/>
-              <a:defRPr sz="1400" kern="1200" cap="none">
-                <a:solidFill>
-                  <a:schemeClr val="bg2">
-                    <a:lumMod val="50000"/>
-                  </a:schemeClr>
-                </a:solidFill>
-                <a:effectLst/>
-                <a:latin typeface="+mn-lt"/>
-                <a:ea typeface="+mn-ea"/>
-                <a:cs typeface="+mn-cs"/>
-              </a:defRPr>
-            </a:lvl9pPr>
-          </a:lstStyle>
-          <a:p>
-            <a:r>
-              <a:rPr lang="en-IN" sz="2400" dirty="0">
-                <a:solidFill>
-                  <a:schemeClr val="accent1"/>
-                </a:solidFill>
-              </a:rPr>
-              <a:t>GitHub : </a:t>
-            </a:r>
-            <a:r>
-              <a:rPr lang="en-IN" sz="2400" dirty="0">
-                <a:solidFill>
-                  <a:schemeClr val="accent1"/>
-                </a:solidFill>
-                <a:hlinkClick r:id="rId2">
-                  <a:extLst>
-                    <a:ext uri="{A12FA001-AC4F-418D-AE19-62706E023703}">
-                      <ahyp:hlinkClr xmlns:ahyp="http://schemas.microsoft.com/office/drawing/2018/hyperlinkcolor" val="tx"/>
-                    </a:ext>
-                  </a:extLst>
-                </a:hlinkClick>
-              </a:rPr>
-              <a:t>https://github.com/Nandini-Kamireddy/Sauce-Demo.git</a:t>
-            </a:r>
-            <a:endParaRPr lang="en-IN" sz="2400" dirty="0">
-              <a:solidFill>
-                <a:schemeClr val="accent1"/>
-              </a:solidFill>
-            </a:endParaRPr>
-          </a:p>
-          <a:p>
-            <a:r>
-              <a:rPr lang="en-IN" sz="2400" dirty="0">
-                <a:solidFill>
-                  <a:schemeClr val="accent1"/>
-                </a:solidFill>
-              </a:rPr>
-              <a:t>Website : </a:t>
-            </a:r>
-            <a:r>
-              <a:rPr lang="en-IN" sz="2400" dirty="0">
-                <a:solidFill>
-                  <a:schemeClr val="accent1"/>
-                </a:solidFill>
-                <a:hlinkClick r:id="rId3">
-                  <a:extLst>
-                    <a:ext uri="{A12FA001-AC4F-418D-AE19-62706E023703}">
-                      <ahyp:hlinkClr xmlns:ahyp="http://schemas.microsoft.com/office/drawing/2018/hyperlinkcolor" val="tx"/>
-                    </a:ext>
-                  </a:extLst>
-                </a:hlinkClick>
-              </a:rPr>
-              <a:t>https://www.saucedemo.com/</a:t>
-            </a:r>
-            <a:endParaRPr lang="en-IN" sz="2400" dirty="0">
-              <a:solidFill>
-                <a:schemeClr val="accent1"/>
-              </a:solidFill>
-            </a:endParaRPr>
-          </a:p>
-          <a:p>
-            <a:pPr marL="0" indent="0">
-              <a:buNone/>
-            </a:pPr>
-            <a:r>
-              <a:rPr lang="en-IN" sz="2400" dirty="0">
-                <a:solidFill>
-                  <a:schemeClr val="accent1"/>
-                </a:solidFill>
-              </a:rPr>
-              <a:t> </a:t>
-            </a:r>
-          </a:p>
-        </p:txBody>
-      </p:sp>
-    </p:spTree>
-    <p:extLst>
-      <p:ext uri="{BB962C8B-B14F-4D97-AF65-F5344CB8AC3E}">
-        <p14:creationId xmlns:p14="http://schemas.microsoft.com/office/powerpoint/2010/main" val="757727666"/>
-      </p:ext>
-    </p:extLst>
-  </p:cSld>
-  <p:clrMapOvr>
-    <a:masterClrMapping/>
-  </p:clrMapOvr>
-</p:sld>
-</file>
-
-<file path=ppt/slides/slide16.xml><?xml version="1.0" encoding="utf-8"?>
+<file path=ppt/slides/slide17.xml><?xml version="1.0" encoding="utf-8"?>
 <p:sld xmlns:a="http://schemas.openxmlformats.org/drawingml/2006/main" xmlns:r="http://schemas.openxmlformats.org/officeDocument/2006/relationships" xmlns:p="http://schemas.openxmlformats.org/presentationml/2006/main">
   <p:cSld>
     <p:spTree>
@@ -7557,7 +7552,7 @@
           <p:cNvPr id="2" name="Title 1">
             <a:extLst>
               <a:ext uri="{FF2B5EF4-FFF2-40B4-BE49-F238E27FC236}">
-                <a16:creationId xmlns:a16="http://schemas.microsoft.com/office/drawing/2014/main" id="{E2C30E7B-9F5F-20E4-9847-437DE6057DDC}"/>
+                <a16:creationId xmlns:a16="http://schemas.microsoft.com/office/drawing/2014/main" id="{34C2365C-4689-BF15-FC18-078405CEDF9A}"/>
               </a:ext>
             </a:extLst>
           </p:cNvPr>
@@ -7570,33 +7565,195 @@
         </p:nvSpPr>
         <p:spPr>
           <a:xfrm>
-            <a:off x="1828800" y="2592431"/>
+            <a:off x="618110" y="135669"/>
             <a:ext cx="8534400" cy="1507067"/>
           </a:xfrm>
         </p:spPr>
         <p:txBody>
-          <a:bodyPr>
-            <a:normAutofit/>
-          </a:bodyPr>
+          <a:bodyPr/>
           <a:lstStyle/>
           <a:p>
-            <a:pPr algn="ctr"/>
-            <a:r>
-              <a:rPr lang="en-IN" sz="6000" b="1" dirty="0">
+            <a:r>
+              <a:rPr lang="en-IN" b="1" dirty="0">
                 <a:solidFill>
                   <a:schemeClr val="accent1"/>
                 </a:solidFill>
-                <a:latin typeface="Algerian" panose="04020705040A02060702" pitchFamily="82" charset="0"/>
+                <a:latin typeface="Bell MT" panose="02020503060305020303" pitchFamily="18" charset="0"/>
               </a:rPr>
-              <a:t>Thank you…</a:t>
-            </a:r>
-          </a:p>
-        </p:txBody>
-      </p:sp>
+              <a:t>Jenkins :</a:t>
+            </a:r>
+          </a:p>
+        </p:txBody>
+      </p:sp>
+      <p:pic>
+        <p:nvPicPr>
+          <p:cNvPr id="8" name="Content Placeholder 7" descr="A screenshot of a computer&#10;&#10;AI-generated content may be incorrect.">
+            <a:extLst>
+              <a:ext uri="{FF2B5EF4-FFF2-40B4-BE49-F238E27FC236}">
+                <a16:creationId xmlns:a16="http://schemas.microsoft.com/office/drawing/2014/main" id="{3E2F2D27-ADA4-DBE6-26B8-AA4111606582}"/>
+              </a:ext>
+            </a:extLst>
+          </p:cNvPr>
+          <p:cNvPicPr>
+            <a:picLocks noGrp="1" noChangeAspect="1"/>
+          </p:cNvPicPr>
+          <p:nvPr>
+            <p:ph sz="half" idx="2"/>
+          </p:nvPr>
+        </p:nvPicPr>
+        <p:blipFill>
+          <a:blip r:embed="rId2">
+            <a:extLst>
+              <a:ext uri="{28A0092B-C50C-407E-A947-70E740481C1C}">
+                <a14:useLocalDpi xmlns:a14="http://schemas.microsoft.com/office/drawing/2010/main" val="0"/>
+              </a:ext>
+            </a:extLst>
+          </a:blip>
+          <a:stretch>
+            <a:fillRect/>
+          </a:stretch>
+        </p:blipFill>
+        <p:spPr>
+          <a:xfrm>
+            <a:off x="1546097" y="1346370"/>
+            <a:ext cx="9099805" cy="5118639"/>
+          </a:xfrm>
+        </p:spPr>
+      </p:pic>
     </p:spTree>
     <p:extLst>
       <p:ext uri="{BB962C8B-B14F-4D97-AF65-F5344CB8AC3E}">
-        <p14:creationId xmlns:p14="http://schemas.microsoft.com/office/powerpoint/2010/main" val="33268254"/>
+        <p14:creationId xmlns:p14="http://schemas.microsoft.com/office/powerpoint/2010/main" val="3499432635"/>
+      </p:ext>
+    </p:extLst>
+  </p:cSld>
+  <p:clrMapOvr>
+    <a:masterClrMapping/>
+  </p:clrMapOvr>
+</p:sld>
+</file>
+
+<file path=ppt/slides/slide18.xml><?xml version="1.0" encoding="utf-8"?>
+<p:sld xmlns:a="http://schemas.openxmlformats.org/drawingml/2006/main" xmlns:r="http://schemas.openxmlformats.org/officeDocument/2006/relationships" xmlns:p="http://schemas.openxmlformats.org/presentationml/2006/main">
+  <p:cSld>
+    <p:spTree>
+      <p:nvGrpSpPr>
+        <p:cNvPr id="1" name=""/>
+        <p:cNvGrpSpPr/>
+        <p:nvPr/>
+      </p:nvGrpSpPr>
+      <p:grpSpPr>
+        <a:xfrm>
+          <a:off x="0" y="0"/>
+          <a:ext cx="0" cy="0"/>
+          <a:chOff x="0" y="0"/>
+          <a:chExt cx="0" cy="0"/>
+        </a:xfrm>
+      </p:grpSpPr>
+      <p:pic>
+        <p:nvPicPr>
+          <p:cNvPr id="8" name="Content Placeholder 7" descr="A screenshot of a computer&#10;&#10;AI-generated content may be incorrect.">
+            <a:extLst>
+              <a:ext uri="{FF2B5EF4-FFF2-40B4-BE49-F238E27FC236}">
+                <a16:creationId xmlns:a16="http://schemas.microsoft.com/office/drawing/2014/main" id="{95C33826-52C0-357C-08D4-A7626ED6B60A}"/>
+              </a:ext>
+            </a:extLst>
+          </p:cNvPr>
+          <p:cNvPicPr>
+            <a:picLocks noGrp="1" noChangeAspect="1"/>
+          </p:cNvPicPr>
+          <p:nvPr>
+            <p:ph sz="half" idx="2"/>
+          </p:nvPr>
+        </p:nvPicPr>
+        <p:blipFill>
+          <a:blip r:embed="rId2">
+            <a:extLst>
+              <a:ext uri="{28A0092B-C50C-407E-A947-70E740481C1C}">
+                <a14:useLocalDpi xmlns:a14="http://schemas.microsoft.com/office/drawing/2010/main" val="0"/>
+              </a:ext>
+            </a:extLst>
+          </a:blip>
+          <a:stretch>
+            <a:fillRect/>
+          </a:stretch>
+        </p:blipFill>
+        <p:spPr>
+          <a:xfrm>
+            <a:off x="1440747" y="926795"/>
+            <a:ext cx="9310506" cy="5237158"/>
+          </a:xfrm>
+        </p:spPr>
+      </p:pic>
+    </p:spTree>
+    <p:extLst>
+      <p:ext uri="{BB962C8B-B14F-4D97-AF65-F5344CB8AC3E}">
+        <p14:creationId xmlns:p14="http://schemas.microsoft.com/office/powerpoint/2010/main" val="742423421"/>
+      </p:ext>
+    </p:extLst>
+  </p:cSld>
+  <p:clrMapOvr>
+    <a:masterClrMapping/>
+  </p:clrMapOvr>
+</p:sld>
+</file>
+
+<file path=ppt/slides/slide19.xml><?xml version="1.0" encoding="utf-8"?>
+<p:sld xmlns:a="http://schemas.openxmlformats.org/drawingml/2006/main" xmlns:r="http://schemas.openxmlformats.org/officeDocument/2006/relationships" xmlns:p="http://schemas.openxmlformats.org/presentationml/2006/main">
+  <p:cSld>
+    <p:spTree>
+      <p:nvGrpSpPr>
+        <p:cNvPr id="1" name=""/>
+        <p:cNvGrpSpPr/>
+        <p:nvPr/>
+      </p:nvGrpSpPr>
+      <p:grpSpPr>
+        <a:xfrm>
+          <a:off x="0" y="0"/>
+          <a:ext cx="0" cy="0"/>
+          <a:chOff x="0" y="0"/>
+          <a:chExt cx="0" cy="0"/>
+        </a:xfrm>
+      </p:grpSpPr>
+      <p:pic>
+        <p:nvPicPr>
+          <p:cNvPr id="5" name="Content Placeholder 4" descr="A screenshot of a computer&#10;&#10;AI-generated content may be incorrect.">
+            <a:extLst>
+              <a:ext uri="{FF2B5EF4-FFF2-40B4-BE49-F238E27FC236}">
+                <a16:creationId xmlns:a16="http://schemas.microsoft.com/office/drawing/2014/main" id="{B95502F8-3906-E45E-01F5-E850C2EFEF92}"/>
+              </a:ext>
+            </a:extLst>
+          </p:cNvPr>
+          <p:cNvPicPr>
+            <a:picLocks noGrp="1" noChangeAspect="1"/>
+          </p:cNvPicPr>
+          <p:nvPr>
+            <p:ph idx="1"/>
+          </p:nvPr>
+        </p:nvPicPr>
+        <p:blipFill>
+          <a:blip r:embed="rId2">
+            <a:extLst>
+              <a:ext uri="{28A0092B-C50C-407E-A947-70E740481C1C}">
+                <a14:useLocalDpi xmlns:a14="http://schemas.microsoft.com/office/drawing/2010/main" val="0"/>
+              </a:ext>
+            </a:extLst>
+          </a:blip>
+          <a:stretch>
+            <a:fillRect/>
+          </a:stretch>
+        </p:blipFill>
+        <p:spPr>
+          <a:xfrm>
+            <a:off x="1495846" y="918532"/>
+            <a:ext cx="9200308" cy="5175174"/>
+          </a:xfrm>
+        </p:spPr>
+      </p:pic>
+    </p:spTree>
+    <p:extLst>
+      <p:ext uri="{BB962C8B-B14F-4D97-AF65-F5344CB8AC3E}">
+        <p14:creationId xmlns:p14="http://schemas.microsoft.com/office/powerpoint/2010/main" val="3730994048"/>
       </p:ext>
     </p:extLst>
   </p:cSld>
@@ -7819,6 +7976,687 @@
     <p:extLst>
       <p:ext uri="{BB962C8B-B14F-4D97-AF65-F5344CB8AC3E}">
         <p14:creationId xmlns:p14="http://schemas.microsoft.com/office/powerpoint/2010/main" val="3441455176"/>
+      </p:ext>
+    </p:extLst>
+  </p:cSld>
+  <p:clrMapOvr>
+    <a:masterClrMapping/>
+  </p:clrMapOvr>
+</p:sld>
+</file>
+
+<file path=ppt/slides/slide20.xml><?xml version="1.0" encoding="utf-8"?>
+<p:sld xmlns:a="http://schemas.openxmlformats.org/drawingml/2006/main" xmlns:r="http://schemas.openxmlformats.org/officeDocument/2006/relationships" xmlns:p="http://schemas.openxmlformats.org/presentationml/2006/main">
+  <p:cSld>
+    <p:spTree>
+      <p:nvGrpSpPr>
+        <p:cNvPr id="1" name="">
+          <a:extLst>
+            <a:ext uri="{FF2B5EF4-FFF2-40B4-BE49-F238E27FC236}">
+              <a16:creationId xmlns:a16="http://schemas.microsoft.com/office/drawing/2014/main" id="{E76D6207-CACF-E27D-F422-C685E1BBC6EC}"/>
+            </a:ext>
+          </a:extLst>
+        </p:cNvPr>
+        <p:cNvGrpSpPr/>
+        <p:nvPr/>
+      </p:nvGrpSpPr>
+      <p:grpSpPr>
+        <a:xfrm>
+          <a:off x="0" y="0"/>
+          <a:ext cx="0" cy="0"/>
+          <a:chOff x="0" y="0"/>
+          <a:chExt cx="0" cy="0"/>
+        </a:xfrm>
+      </p:grpSpPr>
+      <p:sp>
+        <p:nvSpPr>
+          <p:cNvPr id="2" name="Title 1">
+            <a:extLst>
+              <a:ext uri="{FF2B5EF4-FFF2-40B4-BE49-F238E27FC236}">
+                <a16:creationId xmlns:a16="http://schemas.microsoft.com/office/drawing/2014/main" id="{BEEB52A0-8DC6-789B-912C-70517A6FEF57}"/>
+              </a:ext>
+            </a:extLst>
+          </p:cNvPr>
+          <p:cNvSpPr>
+            <a:spLocks noGrp="1"/>
+          </p:cNvSpPr>
+          <p:nvPr>
+            <p:ph type="title"/>
+          </p:nvPr>
+        </p:nvSpPr>
+        <p:spPr>
+          <a:xfrm>
+            <a:off x="397774" y="256855"/>
+            <a:ext cx="8534400" cy="1507067"/>
+          </a:xfrm>
+        </p:spPr>
+        <p:txBody>
+          <a:bodyPr/>
+          <a:lstStyle/>
+          <a:p>
+            <a:r>
+              <a:rPr lang="en-IN" b="1" dirty="0">
+                <a:solidFill>
+                  <a:schemeClr val="accent1"/>
+                </a:solidFill>
+                <a:latin typeface="Bell MT" panose="02020503060305020303" pitchFamily="18" charset="0"/>
+              </a:rPr>
+              <a:t>conclusion :</a:t>
+            </a:r>
+            <a:br>
+              <a:rPr lang="en-IN" b="1" u="sng" dirty="0">
+                <a:solidFill>
+                  <a:schemeClr val="accent1"/>
+                </a:solidFill>
+              </a:rPr>
+            </a:br>
+            <a:endParaRPr lang="en-IN" u="sng" dirty="0">
+              <a:solidFill>
+                <a:schemeClr val="accent1"/>
+              </a:solidFill>
+            </a:endParaRPr>
+          </a:p>
+        </p:txBody>
+      </p:sp>
+      <p:sp>
+        <p:nvSpPr>
+          <p:cNvPr id="3" name="Content Placeholder 2">
+            <a:extLst>
+              <a:ext uri="{FF2B5EF4-FFF2-40B4-BE49-F238E27FC236}">
+                <a16:creationId xmlns:a16="http://schemas.microsoft.com/office/drawing/2014/main" id="{445C8361-1AF2-2674-9A36-0A3D2994FD52}"/>
+              </a:ext>
+            </a:extLst>
+          </p:cNvPr>
+          <p:cNvSpPr>
+            <a:spLocks noGrp="1"/>
+          </p:cNvSpPr>
+          <p:nvPr>
+            <p:ph idx="1"/>
+          </p:nvPr>
+        </p:nvSpPr>
+        <p:spPr>
+          <a:xfrm>
+            <a:off x="397774" y="938421"/>
+            <a:ext cx="8534400" cy="2734528"/>
+          </a:xfrm>
+        </p:spPr>
+        <p:txBody>
+          <a:bodyPr>
+            <a:normAutofit/>
+          </a:bodyPr>
+          <a:lstStyle/>
+          <a:p>
+            <a:r>
+              <a:rPr lang="en-US" sz="2400" dirty="0">
+                <a:solidFill>
+                  <a:schemeClr val="accent1"/>
+                </a:solidFill>
+              </a:rPr>
+              <a:t>Project successfully automated Sauce Demo website.</a:t>
+            </a:r>
+          </a:p>
+          <a:p>
+            <a:r>
+              <a:rPr lang="en-US" sz="2400" dirty="0">
+                <a:solidFill>
+                  <a:schemeClr val="accent1"/>
+                </a:solidFill>
+              </a:rPr>
+              <a:t>Improved efficiency, reliability, and reusability.</a:t>
+            </a:r>
+          </a:p>
+          <a:p>
+            <a:r>
+              <a:rPr lang="en-US" sz="2400" dirty="0">
+                <a:solidFill>
+                  <a:schemeClr val="accent1"/>
+                </a:solidFill>
+              </a:rPr>
+              <a:t>Ready for integration into real-time pipelines.</a:t>
+            </a:r>
+          </a:p>
+          <a:p>
+            <a:endParaRPr lang="en-IN" sz="2400" dirty="0">
+              <a:solidFill>
+                <a:schemeClr val="accent1"/>
+              </a:solidFill>
+            </a:endParaRPr>
+          </a:p>
+        </p:txBody>
+      </p:sp>
+      <p:sp>
+        <p:nvSpPr>
+          <p:cNvPr id="4" name="Title 1">
+            <a:extLst>
+              <a:ext uri="{FF2B5EF4-FFF2-40B4-BE49-F238E27FC236}">
+                <a16:creationId xmlns:a16="http://schemas.microsoft.com/office/drawing/2014/main" id="{7D9B90EA-D6A0-A4A6-B1EF-C9B228D4511B}"/>
+              </a:ext>
+            </a:extLst>
+          </p:cNvPr>
+          <p:cNvSpPr txBox="1">
+            <a:spLocks/>
+          </p:cNvSpPr>
+          <p:nvPr/>
+        </p:nvSpPr>
+        <p:spPr>
+          <a:xfrm>
+            <a:off x="397774" y="3262035"/>
+            <a:ext cx="8534400" cy="1507067"/>
+          </a:xfrm>
+          <a:prstGeom prst="rect">
+            <a:avLst/>
+          </a:prstGeom>
+          <a:effectLst/>
+        </p:spPr>
+        <p:txBody>
+          <a:bodyPr vert="horz" lIns="91440" tIns="45720" rIns="91440" bIns="45720" rtlCol="0" anchor="ctr">
+            <a:normAutofit/>
+          </a:bodyPr>
+          <a:lstStyle>
+            <a:lvl1pPr algn="l" defTabSz="457200" rtl="0" eaLnBrk="1" latinLnBrk="0" hangingPunct="1">
+              <a:spcBef>
+                <a:spcPct val="0"/>
+              </a:spcBef>
+              <a:buNone/>
+              <a:defRPr sz="3600" kern="1200" cap="all">
+                <a:ln w="3175" cmpd="sng">
+                  <a:noFill/>
+                </a:ln>
+                <a:solidFill>
+                  <a:schemeClr val="tx1"/>
+                </a:solidFill>
+                <a:effectLst/>
+                <a:latin typeface="+mj-lt"/>
+                <a:ea typeface="+mj-ea"/>
+                <a:cs typeface="+mj-cs"/>
+              </a:defRPr>
+            </a:lvl1pPr>
+            <a:lvl2pPr eaLnBrk="1" hangingPunct="1">
+              <a:defRPr>
+                <a:solidFill>
+                  <a:schemeClr val="tx2"/>
+                </a:solidFill>
+              </a:defRPr>
+            </a:lvl2pPr>
+            <a:lvl3pPr eaLnBrk="1" hangingPunct="1">
+              <a:defRPr>
+                <a:solidFill>
+                  <a:schemeClr val="tx2"/>
+                </a:solidFill>
+              </a:defRPr>
+            </a:lvl3pPr>
+            <a:lvl4pPr eaLnBrk="1" hangingPunct="1">
+              <a:defRPr>
+                <a:solidFill>
+                  <a:schemeClr val="tx2"/>
+                </a:solidFill>
+              </a:defRPr>
+            </a:lvl4pPr>
+            <a:lvl5pPr eaLnBrk="1" hangingPunct="1">
+              <a:defRPr>
+                <a:solidFill>
+                  <a:schemeClr val="tx2"/>
+                </a:solidFill>
+              </a:defRPr>
+            </a:lvl5pPr>
+            <a:lvl6pPr eaLnBrk="1" hangingPunct="1">
+              <a:defRPr>
+                <a:solidFill>
+                  <a:schemeClr val="tx2"/>
+                </a:solidFill>
+              </a:defRPr>
+            </a:lvl6pPr>
+            <a:lvl7pPr eaLnBrk="1" hangingPunct="1">
+              <a:defRPr>
+                <a:solidFill>
+                  <a:schemeClr val="tx2"/>
+                </a:solidFill>
+              </a:defRPr>
+            </a:lvl7pPr>
+            <a:lvl8pPr eaLnBrk="1" hangingPunct="1">
+              <a:defRPr>
+                <a:solidFill>
+                  <a:schemeClr val="tx2"/>
+                </a:solidFill>
+              </a:defRPr>
+            </a:lvl8pPr>
+            <a:lvl9pPr eaLnBrk="1" hangingPunct="1">
+              <a:defRPr>
+                <a:solidFill>
+                  <a:schemeClr val="tx2"/>
+                </a:solidFill>
+              </a:defRPr>
+            </a:lvl9pPr>
+          </a:lstStyle>
+          <a:p>
+            <a:r>
+              <a:rPr lang="en-IN" b="1" dirty="0">
+                <a:solidFill>
+                  <a:schemeClr val="accent1"/>
+                </a:solidFill>
+                <a:latin typeface="Bell MT" panose="02020503060305020303" pitchFamily="18" charset="0"/>
+              </a:rPr>
+              <a:t>References &amp; links :</a:t>
+            </a:r>
+            <a:br>
+              <a:rPr lang="en-IN" b="1" u="sng" dirty="0">
+                <a:solidFill>
+                  <a:schemeClr val="accent1"/>
+                </a:solidFill>
+              </a:rPr>
+            </a:br>
+            <a:endParaRPr lang="en-IN" u="sng" dirty="0">
+              <a:solidFill>
+                <a:schemeClr val="accent1"/>
+              </a:solidFill>
+            </a:endParaRPr>
+          </a:p>
+        </p:txBody>
+      </p:sp>
+      <p:sp>
+        <p:nvSpPr>
+          <p:cNvPr id="5" name="Content Placeholder 2">
+            <a:extLst>
+              <a:ext uri="{FF2B5EF4-FFF2-40B4-BE49-F238E27FC236}">
+                <a16:creationId xmlns:a16="http://schemas.microsoft.com/office/drawing/2014/main" id="{632AC78E-8E5C-6F4D-4F58-65706BD50AE1}"/>
+              </a:ext>
+            </a:extLst>
+          </p:cNvPr>
+          <p:cNvSpPr txBox="1">
+            <a:spLocks/>
+          </p:cNvSpPr>
+          <p:nvPr/>
+        </p:nvSpPr>
+        <p:spPr>
+          <a:xfrm>
+            <a:off x="397774" y="3861332"/>
+            <a:ext cx="10763231" cy="2734528"/>
+          </a:xfrm>
+          <a:prstGeom prst="rect">
+            <a:avLst/>
+          </a:prstGeom>
+        </p:spPr>
+        <p:txBody>
+          <a:bodyPr vert="horz" lIns="91440" tIns="45720" rIns="91440" bIns="45720" rtlCol="0" anchor="ctr">
+            <a:normAutofit/>
+          </a:bodyPr>
+          <a:lstStyle>
+            <a:lvl1pPr marL="285750" indent="-285750" algn="l" defTabSz="457200" rtl="0" eaLnBrk="1" latinLnBrk="0" hangingPunct="1">
+              <a:spcBef>
+                <a:spcPct val="20000"/>
+              </a:spcBef>
+              <a:spcAft>
+                <a:spcPts val="600"/>
+              </a:spcAft>
+              <a:buClr>
+                <a:schemeClr val="tx1"/>
+              </a:buClr>
+              <a:buSzPct val="80000"/>
+              <a:buFont typeface="Wingdings 3" panose="05040102010807070707" pitchFamily="18" charset="2"/>
+              <a:buChar char=""/>
+              <a:defRPr sz="2000" kern="1200" cap="none">
+                <a:solidFill>
+                  <a:schemeClr val="bg2">
+                    <a:lumMod val="50000"/>
+                  </a:schemeClr>
+                </a:solidFill>
+                <a:effectLst/>
+                <a:latin typeface="+mn-lt"/>
+                <a:ea typeface="+mn-ea"/>
+                <a:cs typeface="+mn-cs"/>
+              </a:defRPr>
+            </a:lvl1pPr>
+            <a:lvl2pPr marL="742950" indent="-285750" algn="l" defTabSz="457200" rtl="0" eaLnBrk="1" latinLnBrk="0" hangingPunct="1">
+              <a:spcBef>
+                <a:spcPct val="20000"/>
+              </a:spcBef>
+              <a:spcAft>
+                <a:spcPts val="600"/>
+              </a:spcAft>
+              <a:buClr>
+                <a:schemeClr val="tx1"/>
+              </a:buClr>
+              <a:buSzPct val="80000"/>
+              <a:buFont typeface="Wingdings 3" panose="05040102010807070707" pitchFamily="18" charset="2"/>
+              <a:buChar char=""/>
+              <a:defRPr sz="1800" kern="1200" cap="none">
+                <a:solidFill>
+                  <a:schemeClr val="bg2">
+                    <a:lumMod val="50000"/>
+                  </a:schemeClr>
+                </a:solidFill>
+                <a:effectLst/>
+                <a:latin typeface="+mn-lt"/>
+                <a:ea typeface="+mn-ea"/>
+                <a:cs typeface="+mn-cs"/>
+              </a:defRPr>
+            </a:lvl2pPr>
+            <a:lvl3pPr marL="1200150" indent="-285750" algn="l" defTabSz="457200" rtl="0" eaLnBrk="1" latinLnBrk="0" hangingPunct="1">
+              <a:spcBef>
+                <a:spcPct val="20000"/>
+              </a:spcBef>
+              <a:spcAft>
+                <a:spcPts val="600"/>
+              </a:spcAft>
+              <a:buClr>
+                <a:schemeClr val="tx1"/>
+              </a:buClr>
+              <a:buSzPct val="80000"/>
+              <a:buFont typeface="Wingdings 3" panose="05040102010807070707" pitchFamily="18" charset="2"/>
+              <a:buChar char=""/>
+              <a:defRPr sz="1600" kern="1200" cap="none">
+                <a:solidFill>
+                  <a:schemeClr val="bg2">
+                    <a:lumMod val="50000"/>
+                  </a:schemeClr>
+                </a:solidFill>
+                <a:effectLst/>
+                <a:latin typeface="+mn-lt"/>
+                <a:ea typeface="+mn-ea"/>
+                <a:cs typeface="+mn-cs"/>
+              </a:defRPr>
+            </a:lvl3pPr>
+            <a:lvl4pPr marL="1543050" indent="-171450" algn="l" defTabSz="457200" rtl="0" eaLnBrk="1" latinLnBrk="0" hangingPunct="1">
+              <a:spcBef>
+                <a:spcPct val="20000"/>
+              </a:spcBef>
+              <a:spcAft>
+                <a:spcPts val="600"/>
+              </a:spcAft>
+              <a:buClr>
+                <a:schemeClr val="tx1"/>
+              </a:buClr>
+              <a:buSzPct val="80000"/>
+              <a:buFont typeface="Wingdings 3" panose="05040102010807070707" pitchFamily="18" charset="2"/>
+              <a:buChar char=""/>
+              <a:defRPr sz="1400" kern="1200" cap="none">
+                <a:solidFill>
+                  <a:schemeClr val="bg2">
+                    <a:lumMod val="50000"/>
+                  </a:schemeClr>
+                </a:solidFill>
+                <a:effectLst/>
+                <a:latin typeface="+mn-lt"/>
+                <a:ea typeface="+mn-ea"/>
+                <a:cs typeface="+mn-cs"/>
+              </a:defRPr>
+            </a:lvl4pPr>
+            <a:lvl5pPr marL="2114550" indent="-285750" algn="l" defTabSz="457200" rtl="0" eaLnBrk="1" latinLnBrk="0" hangingPunct="1">
+              <a:spcBef>
+                <a:spcPct val="20000"/>
+              </a:spcBef>
+              <a:spcAft>
+                <a:spcPts val="600"/>
+              </a:spcAft>
+              <a:buClr>
+                <a:schemeClr val="tx1"/>
+              </a:buClr>
+              <a:buSzPct val="80000"/>
+              <a:buFont typeface="Wingdings 3" panose="05040102010807070707" pitchFamily="18" charset="2"/>
+              <a:buChar char=""/>
+              <a:defRPr sz="1400" kern="1200" cap="none">
+                <a:solidFill>
+                  <a:schemeClr val="bg2">
+                    <a:lumMod val="50000"/>
+                  </a:schemeClr>
+                </a:solidFill>
+                <a:effectLst/>
+                <a:latin typeface="+mn-lt"/>
+                <a:ea typeface="+mn-ea"/>
+                <a:cs typeface="+mn-cs"/>
+              </a:defRPr>
+            </a:lvl5pPr>
+            <a:lvl6pPr marL="2514600" indent="-228600" algn="l" defTabSz="457200" rtl="0" eaLnBrk="1" latinLnBrk="0" hangingPunct="1">
+              <a:spcBef>
+                <a:spcPct val="20000"/>
+              </a:spcBef>
+              <a:spcAft>
+                <a:spcPts val="600"/>
+              </a:spcAft>
+              <a:buClr>
+                <a:schemeClr val="tx1"/>
+              </a:buClr>
+              <a:buSzPct val="80000"/>
+              <a:buFont typeface="Wingdings 3" panose="05040102010807070707" pitchFamily="18" charset="2"/>
+              <a:buChar char=""/>
+              <a:defRPr sz="1400" kern="1200" cap="none">
+                <a:solidFill>
+                  <a:schemeClr val="bg2">
+                    <a:lumMod val="50000"/>
+                  </a:schemeClr>
+                </a:solidFill>
+                <a:effectLst/>
+                <a:latin typeface="+mn-lt"/>
+                <a:ea typeface="+mn-ea"/>
+                <a:cs typeface="+mn-cs"/>
+              </a:defRPr>
+            </a:lvl6pPr>
+            <a:lvl7pPr marL="2971800" indent="-228600" algn="l" defTabSz="457200" rtl="0" eaLnBrk="1" latinLnBrk="0" hangingPunct="1">
+              <a:spcBef>
+                <a:spcPct val="20000"/>
+              </a:spcBef>
+              <a:spcAft>
+                <a:spcPts val="600"/>
+              </a:spcAft>
+              <a:buClr>
+                <a:schemeClr val="tx1"/>
+              </a:buClr>
+              <a:buSzPct val="80000"/>
+              <a:buFont typeface="Wingdings 3" panose="05040102010807070707" pitchFamily="18" charset="2"/>
+              <a:buChar char=""/>
+              <a:defRPr sz="1400" kern="1200" cap="none">
+                <a:solidFill>
+                  <a:schemeClr val="bg2">
+                    <a:lumMod val="50000"/>
+                  </a:schemeClr>
+                </a:solidFill>
+                <a:effectLst/>
+                <a:latin typeface="+mn-lt"/>
+                <a:ea typeface="+mn-ea"/>
+                <a:cs typeface="+mn-cs"/>
+              </a:defRPr>
+            </a:lvl7pPr>
+            <a:lvl8pPr marL="3429000" indent="-228600" algn="l" defTabSz="457200" rtl="0" eaLnBrk="1" latinLnBrk="0" hangingPunct="1">
+              <a:spcBef>
+                <a:spcPct val="20000"/>
+              </a:spcBef>
+              <a:spcAft>
+                <a:spcPts val="600"/>
+              </a:spcAft>
+              <a:buClr>
+                <a:schemeClr val="tx1"/>
+              </a:buClr>
+              <a:buSzPct val="80000"/>
+              <a:buFont typeface="Wingdings 3" panose="05040102010807070707" pitchFamily="18" charset="2"/>
+              <a:buChar char=""/>
+              <a:defRPr sz="1400" kern="1200" cap="none">
+                <a:solidFill>
+                  <a:schemeClr val="bg2">
+                    <a:lumMod val="50000"/>
+                  </a:schemeClr>
+                </a:solidFill>
+                <a:effectLst/>
+                <a:latin typeface="+mn-lt"/>
+                <a:ea typeface="+mn-ea"/>
+                <a:cs typeface="+mn-cs"/>
+              </a:defRPr>
+            </a:lvl8pPr>
+            <a:lvl9pPr marL="3886200" indent="-228600" algn="l" defTabSz="457200" rtl="0" eaLnBrk="1" latinLnBrk="0" hangingPunct="1">
+              <a:spcBef>
+                <a:spcPct val="20000"/>
+              </a:spcBef>
+              <a:spcAft>
+                <a:spcPts val="600"/>
+              </a:spcAft>
+              <a:buClr>
+                <a:schemeClr val="tx1"/>
+              </a:buClr>
+              <a:buSzPct val="80000"/>
+              <a:buFont typeface="Wingdings 3" panose="05040102010807070707" pitchFamily="18" charset="2"/>
+              <a:buChar char=""/>
+              <a:defRPr sz="1400" kern="1200" cap="none">
+                <a:solidFill>
+                  <a:schemeClr val="bg2">
+                    <a:lumMod val="50000"/>
+                  </a:schemeClr>
+                </a:solidFill>
+                <a:effectLst/>
+                <a:latin typeface="+mn-lt"/>
+                <a:ea typeface="+mn-ea"/>
+                <a:cs typeface="+mn-cs"/>
+              </a:defRPr>
+            </a:lvl9pPr>
+          </a:lstStyle>
+          <a:p>
+            <a:r>
+              <a:rPr lang="en-IN" sz="2400" dirty="0">
+                <a:solidFill>
+                  <a:schemeClr val="accent1"/>
+                </a:solidFill>
+              </a:rPr>
+              <a:t>GitHub : </a:t>
+            </a:r>
+            <a:r>
+              <a:rPr lang="en-IN" sz="2400" dirty="0">
+                <a:solidFill>
+                  <a:schemeClr val="accent1"/>
+                </a:solidFill>
+                <a:hlinkClick r:id="rId2">
+                  <a:extLst>
+                    <a:ext uri="{A12FA001-AC4F-418D-AE19-62706E023703}">
+                      <ahyp:hlinkClr xmlns:ahyp="http://schemas.microsoft.com/office/drawing/2018/hyperlinkcolor" val="tx"/>
+                    </a:ext>
+                  </a:extLst>
+                </a:hlinkClick>
+              </a:rPr>
+              <a:t>https://github.com/Nandini-Kamireddy/Sauce-Demo.git</a:t>
+            </a:r>
+            <a:endParaRPr lang="en-IN" sz="2400" dirty="0">
+              <a:solidFill>
+                <a:schemeClr val="accent1"/>
+              </a:solidFill>
+            </a:endParaRPr>
+          </a:p>
+          <a:p>
+            <a:r>
+              <a:rPr lang="en-IN" sz="2400" dirty="0">
+                <a:solidFill>
+                  <a:schemeClr val="accent1"/>
+                </a:solidFill>
+              </a:rPr>
+              <a:t>Website : </a:t>
+            </a:r>
+            <a:r>
+              <a:rPr lang="en-IN" sz="2400" dirty="0">
+                <a:solidFill>
+                  <a:schemeClr val="accent1"/>
+                </a:solidFill>
+                <a:hlinkClick r:id="rId3">
+                  <a:extLst>
+                    <a:ext uri="{A12FA001-AC4F-418D-AE19-62706E023703}">
+                      <ahyp:hlinkClr xmlns:ahyp="http://schemas.microsoft.com/office/drawing/2018/hyperlinkcolor" val="tx"/>
+                    </a:ext>
+                  </a:extLst>
+                </a:hlinkClick>
+              </a:rPr>
+              <a:t>https://www.saucedemo.com/</a:t>
+            </a:r>
+            <a:endParaRPr lang="en-IN" sz="2400" dirty="0">
+              <a:solidFill>
+                <a:schemeClr val="accent1"/>
+              </a:solidFill>
+            </a:endParaRPr>
+          </a:p>
+          <a:p>
+            <a:pPr marL="0" indent="0">
+              <a:buNone/>
+            </a:pPr>
+            <a:r>
+              <a:rPr lang="en-IN" sz="2400" dirty="0">
+                <a:solidFill>
+                  <a:schemeClr val="accent1"/>
+                </a:solidFill>
+              </a:rPr>
+              <a:t> </a:t>
+            </a:r>
+          </a:p>
+        </p:txBody>
+      </p:sp>
+    </p:spTree>
+    <p:extLst>
+      <p:ext uri="{BB962C8B-B14F-4D97-AF65-F5344CB8AC3E}">
+        <p14:creationId xmlns:p14="http://schemas.microsoft.com/office/powerpoint/2010/main" val="757727666"/>
+      </p:ext>
+    </p:extLst>
+  </p:cSld>
+  <p:clrMapOvr>
+    <a:masterClrMapping/>
+  </p:clrMapOvr>
+</p:sld>
+</file>
+
+<file path=ppt/slides/slide21.xml><?xml version="1.0" encoding="utf-8"?>
+<p:sld xmlns:a="http://schemas.openxmlformats.org/drawingml/2006/main" xmlns:r="http://schemas.openxmlformats.org/officeDocument/2006/relationships" xmlns:p="http://schemas.openxmlformats.org/presentationml/2006/main">
+  <p:cSld>
+    <p:spTree>
+      <p:nvGrpSpPr>
+        <p:cNvPr id="1" name=""/>
+        <p:cNvGrpSpPr/>
+        <p:nvPr/>
+      </p:nvGrpSpPr>
+      <p:grpSpPr>
+        <a:xfrm>
+          <a:off x="0" y="0"/>
+          <a:ext cx="0" cy="0"/>
+          <a:chOff x="0" y="0"/>
+          <a:chExt cx="0" cy="0"/>
+        </a:xfrm>
+      </p:grpSpPr>
+      <p:sp>
+        <p:nvSpPr>
+          <p:cNvPr id="2" name="Title 1">
+            <a:extLst>
+              <a:ext uri="{FF2B5EF4-FFF2-40B4-BE49-F238E27FC236}">
+                <a16:creationId xmlns:a16="http://schemas.microsoft.com/office/drawing/2014/main" id="{E2C30E7B-9F5F-20E4-9847-437DE6057DDC}"/>
+              </a:ext>
+            </a:extLst>
+          </p:cNvPr>
+          <p:cNvSpPr>
+            <a:spLocks noGrp="1"/>
+          </p:cNvSpPr>
+          <p:nvPr>
+            <p:ph type="title"/>
+          </p:nvPr>
+        </p:nvSpPr>
+        <p:spPr>
+          <a:xfrm>
+            <a:off x="1828800" y="2592431"/>
+            <a:ext cx="8534400" cy="1507067"/>
+          </a:xfrm>
+        </p:spPr>
+        <p:txBody>
+          <a:bodyPr>
+            <a:normAutofit/>
+          </a:bodyPr>
+          <a:lstStyle/>
+          <a:p>
+            <a:pPr algn="ctr"/>
+            <a:r>
+              <a:rPr lang="en-IN" sz="6000" b="1" dirty="0">
+                <a:solidFill>
+                  <a:schemeClr val="accent1"/>
+                </a:solidFill>
+                <a:latin typeface="Algerian" panose="04020705040A02060702" pitchFamily="82" charset="0"/>
+              </a:rPr>
+              <a:t>Thank you…</a:t>
+            </a:r>
+          </a:p>
+        </p:txBody>
+      </p:sp>
+    </p:spTree>
+    <p:extLst>
+      <p:ext uri="{BB962C8B-B14F-4D97-AF65-F5344CB8AC3E}">
+        <p14:creationId xmlns:p14="http://schemas.microsoft.com/office/powerpoint/2010/main" val="33268254"/>
       </p:ext>
     </p:extLst>
   </p:cSld>
@@ -8358,6 +9196,23 @@
               </a:rPr>
               <a:t>Version Control: GitHub</a:t>
             </a:r>
+          </a:p>
+          <a:p>
+            <a:r>
+              <a:rPr lang="en-IN" sz="2400" dirty="0">
+                <a:solidFill>
+                  <a:schemeClr val="accent1"/>
+                </a:solidFill>
+              </a:rPr>
+              <a:t>Continuous Integration: Jenkins</a:t>
+            </a:r>
+          </a:p>
+          <a:p>
+            <a:endParaRPr lang="en-IN" sz="2400" dirty="0">
+              <a:solidFill>
+                <a:schemeClr val="accent1"/>
+              </a:solidFill>
+            </a:endParaRPr>
           </a:p>
         </p:txBody>
       </p:sp>

--- a/Nandini_SauceDemo.pptx
+++ b/Nandini_SauceDemo.pptx
@@ -24,8 +24,12 @@
     <p:sldId id="276" r:id="rId18"/>
     <p:sldId id="279" r:id="rId19"/>
     <p:sldId id="278" r:id="rId20"/>
-    <p:sldId id="272" r:id="rId21"/>
-    <p:sldId id="273" r:id="rId22"/>
+    <p:sldId id="280" r:id="rId21"/>
+    <p:sldId id="281" r:id="rId22"/>
+    <p:sldId id="282" r:id="rId23"/>
+    <p:sldId id="283" r:id="rId24"/>
+    <p:sldId id="272" r:id="rId25"/>
+    <p:sldId id="273" r:id="rId26"/>
   </p:sldIdLst>
   <p:sldSz cx="12192000" cy="6858000"/>
   <p:notesSz cx="6858000" cy="9144000"/>
@@ -148,6 +152,10 @@
             <p14:sldId id="276"/>
             <p14:sldId id="279"/>
             <p14:sldId id="278"/>
+            <p14:sldId id="280"/>
+            <p14:sldId id="281"/>
+            <p14:sldId id="282"/>
+            <p14:sldId id="283"/>
             <p14:sldId id="272"/>
             <p14:sldId id="273"/>
           </p14:sldIdLst>
@@ -167,7 +175,7 @@
 <file path=ppt/revisionInfo.xml><?xml version="1.0" encoding="utf-8"?>
 <p1510:revInfo xmlns:a="http://schemas.openxmlformats.org/drawingml/2006/main" xmlns:r="http://schemas.openxmlformats.org/officeDocument/2006/relationships" xmlns:p1510="http://schemas.microsoft.com/office/powerpoint/2015/10/main">
   <p1510:revLst>
-    <p1510:client id="{BD227473-E7CB-4CA8-BE3F-A7D5DAB93DA4}" v="49" dt="2025-09-08T09:11:48.565"/>
+    <p1510:client id="{BD227473-E7CB-4CA8-BE3F-A7D5DAB93DA4}" v="61" dt="2025-09-09T06:04:15.434"/>
   </p1510:revLst>
 </p1510:revInfo>
 </file>
@@ -177,18 +185,18 @@
   <pc:docChgLst>
     <pc:chgData name="Kamireddy Nandini" userId="cf4e4def5ddb983d" providerId="LiveId" clId="{E0587A0D-4A79-40C8-B87A-480D21FB515F}"/>
     <pc:docChg chg="undo custSel addSld delSld modSld sldOrd modSection">
-      <pc:chgData name="Kamireddy Nandini" userId="cf4e4def5ddb983d" providerId="LiveId" clId="{E0587A0D-4A79-40C8-B87A-480D21FB515F}" dt="2025-09-08T09:12:20.848" v="482" actId="1035"/>
+      <pc:chgData name="Kamireddy Nandini" userId="cf4e4def5ddb983d" providerId="LiveId" clId="{E0587A0D-4A79-40C8-B87A-480D21FB515F}" dt="2025-09-09T06:04:47.441" v="808" actId="207"/>
       <pc:docMkLst>
         <pc:docMk/>
       </pc:docMkLst>
       <pc:sldChg chg="modSp mod">
-        <pc:chgData name="Kamireddy Nandini" userId="cf4e4def5ddb983d" providerId="LiveId" clId="{E0587A0D-4A79-40C8-B87A-480D21FB515F}" dt="2025-09-07T18:55:38.613" v="271" actId="1076"/>
+        <pc:chgData name="Kamireddy Nandini" userId="cf4e4def5ddb983d" providerId="LiveId" clId="{E0587A0D-4A79-40C8-B87A-480D21FB515F}" dt="2025-09-09T06:04:47.441" v="808" actId="207"/>
         <pc:sldMkLst>
           <pc:docMk/>
           <pc:sldMk cId="1134496889" sldId="256"/>
         </pc:sldMkLst>
         <pc:spChg chg="mod">
-          <ac:chgData name="Kamireddy Nandini" userId="cf4e4def5ddb983d" providerId="LiveId" clId="{E0587A0D-4A79-40C8-B87A-480D21FB515F}" dt="2025-09-07T18:55:38.613" v="271" actId="1076"/>
+          <ac:chgData name="Kamireddy Nandini" userId="cf4e4def5ddb983d" providerId="LiveId" clId="{E0587A0D-4A79-40C8-B87A-480D21FB515F}" dt="2025-09-09T06:04:47.441" v="808" actId="207"/>
           <ac:spMkLst>
             <pc:docMk/>
             <pc:sldMk cId="1134496889" sldId="256"/>
@@ -490,14 +498,6 @@
           <pc:docMk/>
           <pc:sldMk cId="3511219893" sldId="272"/>
         </pc:sldMkLst>
-        <pc:spChg chg="mod">
-          <ac:chgData name="Kamireddy Nandini" userId="cf4e4def5ddb983d" providerId="LiveId" clId="{E0587A0D-4A79-40C8-B87A-480D21FB515F}" dt="2025-09-07T18:17:39.080" v="3"/>
-          <ac:spMkLst>
-            <pc:docMk/>
-            <pc:sldMk cId="3511219893" sldId="272"/>
-            <ac:spMk id="2" creationId="{DBB542D2-FE2E-40DE-D038-90E331A94CA0}"/>
-          </ac:spMkLst>
-        </pc:spChg>
       </pc:sldChg>
       <pc:sldChg chg="delSp modSp new mod">
         <pc:chgData name="Kamireddy Nandini" userId="cf4e4def5ddb983d" providerId="LiveId" clId="{E0587A0D-4A79-40C8-B87A-480D21FB515F}" dt="2025-09-07T18:31:08.288" v="174" actId="255"/>
@@ -513,17 +513,9 @@
             <ac:spMk id="2" creationId="{E2C30E7B-9F5F-20E4-9847-437DE6057DDC}"/>
           </ac:spMkLst>
         </pc:spChg>
-        <pc:spChg chg="del">
-          <ac:chgData name="Kamireddy Nandini" userId="cf4e4def5ddb983d" providerId="LiveId" clId="{E0587A0D-4A79-40C8-B87A-480D21FB515F}" dt="2025-09-07T18:29:27.066" v="146" actId="21"/>
-          <ac:spMkLst>
-            <pc:docMk/>
-            <pc:sldMk cId="33268254" sldId="273"/>
-            <ac:spMk id="3" creationId="{CF423F7A-6A85-A731-7B7F-F67915E98CFE}"/>
-          </ac:spMkLst>
-        </pc:spChg>
       </pc:sldChg>
       <pc:sldChg chg="addSp delSp modSp new mod ord">
-        <pc:chgData name="Kamireddy Nandini" userId="cf4e4def5ddb983d" providerId="LiveId" clId="{E0587A0D-4A79-40C8-B87A-480D21FB515F}" dt="2025-09-08T03:54:57.772" v="273" actId="20577"/>
+        <pc:chgData name="Kamireddy Nandini" userId="cf4e4def5ddb983d" providerId="LiveId" clId="{E0587A0D-4A79-40C8-B87A-480D21FB515F}" dt="2025-09-09T05:46:25.977" v="682" actId="14100"/>
         <pc:sldMkLst>
           <pc:docMk/>
           <pc:sldMk cId="3441455176" sldId="274"/>
@@ -537,22 +529,30 @@
           </ac:spMkLst>
         </pc:spChg>
         <pc:spChg chg="mod">
-          <ac:chgData name="Kamireddy Nandini" userId="cf4e4def5ddb983d" providerId="LiveId" clId="{E0587A0D-4A79-40C8-B87A-480D21FB515F}" dt="2025-09-08T03:54:57.772" v="273" actId="20577"/>
+          <ac:chgData name="Kamireddy Nandini" userId="cf4e4def5ddb983d" providerId="LiveId" clId="{E0587A0D-4A79-40C8-B87A-480D21FB515F}" dt="2025-09-09T05:46:25.977" v="682" actId="14100"/>
           <ac:spMkLst>
             <pc:docMk/>
             <pc:sldMk cId="3441455176" sldId="274"/>
             <ac:spMk id="3" creationId="{5D8E8AE7-1B30-2F67-3481-C12725B8CE7F}"/>
           </ac:spMkLst>
         </pc:spChg>
+        <pc:spChg chg="add mod">
+          <ac:chgData name="Kamireddy Nandini" userId="cf4e4def5ddb983d" providerId="LiveId" clId="{E0587A0D-4A79-40C8-B87A-480D21FB515F}" dt="2025-09-09T05:38:16.472" v="572" actId="1076"/>
+          <ac:spMkLst>
+            <pc:docMk/>
+            <pc:sldMk cId="3441455176" sldId="274"/>
+            <ac:spMk id="4" creationId="{6EB7D67A-E7B4-70A8-B280-68BE870F064A}"/>
+          </ac:spMkLst>
+        </pc:spChg>
       </pc:sldChg>
       <pc:sldChg chg="modSp new mod">
-        <pc:chgData name="Kamireddy Nandini" userId="cf4e4def5ddb983d" providerId="LiveId" clId="{E0587A0D-4A79-40C8-B87A-480D21FB515F}" dt="2025-09-08T08:31:04.185" v="430" actId="20577"/>
+        <pc:chgData name="Kamireddy Nandini" userId="cf4e4def5ddb983d" providerId="LiveId" clId="{E0587A0D-4A79-40C8-B87A-480D21FB515F}" dt="2025-09-09T05:45:50.891" v="655" actId="1035"/>
         <pc:sldMkLst>
           <pc:docMk/>
           <pc:sldMk cId="4159255263" sldId="275"/>
         </pc:sldMkLst>
         <pc:spChg chg="mod">
-          <ac:chgData name="Kamireddy Nandini" userId="cf4e4def5ddb983d" providerId="LiveId" clId="{E0587A0D-4A79-40C8-B87A-480D21FB515F}" dt="2025-09-08T08:21:43.521" v="319" actId="1076"/>
+          <ac:chgData name="Kamireddy Nandini" userId="cf4e4def5ddb983d" providerId="LiveId" clId="{E0587A0D-4A79-40C8-B87A-480D21FB515F}" dt="2025-09-09T05:44:43.902" v="648" actId="313"/>
           <ac:spMkLst>
             <pc:docMk/>
             <pc:sldMk cId="4159255263" sldId="275"/>
@@ -560,7 +560,7 @@
           </ac:spMkLst>
         </pc:spChg>
         <pc:spChg chg="mod">
-          <ac:chgData name="Kamireddy Nandini" userId="cf4e4def5ddb983d" providerId="LiveId" clId="{E0587A0D-4A79-40C8-B87A-480D21FB515F}" dt="2025-09-08T08:31:04.185" v="430" actId="20577"/>
+          <ac:chgData name="Kamireddy Nandini" userId="cf4e4def5ddb983d" providerId="LiveId" clId="{E0587A0D-4A79-40C8-B87A-480D21FB515F}" dt="2025-09-09T05:45:50.891" v="655" actId="1035"/>
           <ac:spMkLst>
             <pc:docMk/>
             <pc:sldMk cId="4159255263" sldId="275"/>
@@ -788,6 +788,162 @@
           </ac:picMkLst>
         </pc:picChg>
       </pc:sldChg>
+      <pc:sldChg chg="addSp delSp modSp new mod">
+        <pc:chgData name="Kamireddy Nandini" userId="cf4e4def5ddb983d" providerId="LiveId" clId="{E0587A0D-4A79-40C8-B87A-480D21FB515F}" dt="2025-09-09T05:40:57.580" v="608" actId="1076"/>
+        <pc:sldMkLst>
+          <pc:docMk/>
+          <pc:sldMk cId="4202264176" sldId="280"/>
+        </pc:sldMkLst>
+        <pc:spChg chg="mod">
+          <ac:chgData name="Kamireddy Nandini" userId="cf4e4def5ddb983d" providerId="LiveId" clId="{E0587A0D-4A79-40C8-B87A-480D21FB515F}" dt="2025-09-09T05:40:20.312" v="598" actId="1076"/>
+          <ac:spMkLst>
+            <pc:docMk/>
+            <pc:sldMk cId="4202264176" sldId="280"/>
+            <ac:spMk id="2" creationId="{2332A667-DA72-5909-DF4B-EE17182251C6}"/>
+          </ac:spMkLst>
+        </pc:spChg>
+        <pc:spChg chg="del mod">
+          <ac:chgData name="Kamireddy Nandini" userId="cf4e4def5ddb983d" providerId="LiveId" clId="{E0587A0D-4A79-40C8-B87A-480D21FB515F}" dt="2025-09-09T05:40:41.516" v="602" actId="931"/>
+          <ac:spMkLst>
+            <pc:docMk/>
+            <pc:sldMk cId="4202264176" sldId="280"/>
+            <ac:spMk id="3" creationId="{5B5F6DA7-E555-F662-5A56-C17628C5DABB}"/>
+          </ac:spMkLst>
+        </pc:spChg>
+        <pc:spChg chg="del mod">
+          <ac:chgData name="Kamireddy Nandini" userId="cf4e4def5ddb983d" providerId="LiveId" clId="{E0587A0D-4A79-40C8-B87A-480D21FB515F}" dt="2025-09-09T05:40:28.016" v="601" actId="21"/>
+          <ac:spMkLst>
+            <pc:docMk/>
+            <pc:sldMk cId="4202264176" sldId="280"/>
+            <ac:spMk id="4" creationId="{84724572-76F1-B42A-05FE-CEAB4FF4A240}"/>
+          </ac:spMkLst>
+        </pc:spChg>
+        <pc:picChg chg="add mod">
+          <ac:chgData name="Kamireddy Nandini" userId="cf4e4def5ddb983d" providerId="LiveId" clId="{E0587A0D-4A79-40C8-B87A-480D21FB515F}" dt="2025-09-09T05:40:57.580" v="608" actId="1076"/>
+          <ac:picMkLst>
+            <pc:docMk/>
+            <pc:sldMk cId="4202264176" sldId="280"/>
+            <ac:picMk id="6" creationId="{3ECC4FCF-AF43-9E77-C6E6-EC81BFAE6104}"/>
+          </ac:picMkLst>
+        </pc:picChg>
+      </pc:sldChg>
+      <pc:sldChg chg="addSp delSp modSp new mod">
+        <pc:chgData name="Kamireddy Nandini" userId="cf4e4def5ddb983d" providerId="LiveId" clId="{E0587A0D-4A79-40C8-B87A-480D21FB515F}" dt="2025-09-09T05:49:31.766" v="721" actId="1036"/>
+        <pc:sldMkLst>
+          <pc:docMk/>
+          <pc:sldMk cId="3704240447" sldId="281"/>
+        </pc:sldMkLst>
+        <pc:spChg chg="mod">
+          <ac:chgData name="Kamireddy Nandini" userId="cf4e4def5ddb983d" providerId="LiveId" clId="{E0587A0D-4A79-40C8-B87A-480D21FB515F}" dt="2025-09-09T05:49:31.766" v="721" actId="1036"/>
+          <ac:spMkLst>
+            <pc:docMk/>
+            <pc:sldMk cId="3704240447" sldId="281"/>
+            <ac:spMk id="2" creationId="{A8CFBE5F-AA1F-461A-81D1-1FB6F3C7E8BF}"/>
+          </ac:spMkLst>
+        </pc:spChg>
+        <pc:spChg chg="del mod">
+          <ac:chgData name="Kamireddy Nandini" userId="cf4e4def5ddb983d" providerId="LiveId" clId="{E0587A0D-4A79-40C8-B87A-480D21FB515F}" dt="2025-09-09T05:47:05.272" v="683" actId="931"/>
+          <ac:spMkLst>
+            <pc:docMk/>
+            <pc:sldMk cId="3704240447" sldId="281"/>
+            <ac:spMk id="3" creationId="{41E56CE7-6A02-C14D-E3B2-A33F115A90C5}"/>
+          </ac:spMkLst>
+        </pc:spChg>
+        <pc:spChg chg="del mod">
+          <ac:chgData name="Kamireddy Nandini" userId="cf4e4def5ddb983d" providerId="LiveId" clId="{E0587A0D-4A79-40C8-B87A-480D21FB515F}" dt="2025-09-09T05:47:17.725" v="686" actId="931"/>
+          <ac:spMkLst>
+            <pc:docMk/>
+            <pc:sldMk cId="3704240447" sldId="281"/>
+            <ac:spMk id="4" creationId="{0101A6B2-B6A8-944C-BFA0-D6713083012C}"/>
+          </ac:spMkLst>
+        </pc:spChg>
+        <pc:picChg chg="add mod">
+          <ac:chgData name="Kamireddy Nandini" userId="cf4e4def5ddb983d" providerId="LiveId" clId="{E0587A0D-4A79-40C8-B87A-480D21FB515F}" dt="2025-09-09T05:49:30.230" v="720" actId="1076"/>
+          <ac:picMkLst>
+            <pc:docMk/>
+            <pc:sldMk cId="3704240447" sldId="281"/>
+            <ac:picMk id="6" creationId="{D0A26AB6-122D-B6A8-B600-D77CE7F2568A}"/>
+          </ac:picMkLst>
+        </pc:picChg>
+        <pc:picChg chg="add mod">
+          <ac:chgData name="Kamireddy Nandini" userId="cf4e4def5ddb983d" providerId="LiveId" clId="{E0587A0D-4A79-40C8-B87A-480D21FB515F}" dt="2025-09-09T05:47:51.520" v="698" actId="1076"/>
+          <ac:picMkLst>
+            <pc:docMk/>
+            <pc:sldMk cId="3704240447" sldId="281"/>
+            <ac:picMk id="8" creationId="{1D060474-2DE9-EBC5-FB5C-3826276E0BD6}"/>
+          </ac:picMkLst>
+        </pc:picChg>
+      </pc:sldChg>
+      <pc:sldChg chg="addSp delSp modSp new mod">
+        <pc:chgData name="Kamireddy Nandini" userId="cf4e4def5ddb983d" providerId="LiveId" clId="{E0587A0D-4A79-40C8-B87A-480D21FB515F}" dt="2025-09-09T05:50:05.818" v="728" actId="1076"/>
+        <pc:sldMkLst>
+          <pc:docMk/>
+          <pc:sldMk cId="3928064517" sldId="282"/>
+        </pc:sldMkLst>
+        <pc:spChg chg="mod">
+          <ac:chgData name="Kamireddy Nandini" userId="cf4e4def5ddb983d" providerId="LiveId" clId="{E0587A0D-4A79-40C8-B87A-480D21FB515F}" dt="2025-09-09T05:48:59.245" v="717" actId="1076"/>
+          <ac:spMkLst>
+            <pc:docMk/>
+            <pc:sldMk cId="3928064517" sldId="282"/>
+            <ac:spMk id="2" creationId="{C977ECDD-EDFA-0E60-4605-097128CEC063}"/>
+          </ac:spMkLst>
+        </pc:spChg>
+        <pc:spChg chg="del mod">
+          <ac:chgData name="Kamireddy Nandini" userId="cf4e4def5ddb983d" providerId="LiveId" clId="{E0587A0D-4A79-40C8-B87A-480D21FB515F}" dt="2025-09-09T05:49:49.718" v="722" actId="931"/>
+          <ac:spMkLst>
+            <pc:docMk/>
+            <pc:sldMk cId="3928064517" sldId="282"/>
+            <ac:spMk id="3" creationId="{C4C9BFB8-20B6-E830-AC03-96C60285B1C8}"/>
+          </ac:spMkLst>
+        </pc:spChg>
+        <pc:spChg chg="del">
+          <ac:chgData name="Kamireddy Nandini" userId="cf4e4def5ddb983d" providerId="LiveId" clId="{E0587A0D-4A79-40C8-B87A-480D21FB515F}" dt="2025-09-09T05:48:20.694" v="701" actId="21"/>
+          <ac:spMkLst>
+            <pc:docMk/>
+            <pc:sldMk cId="3928064517" sldId="282"/>
+            <ac:spMk id="4" creationId="{9CDF69FD-7DE0-69B4-B9C5-566CC319E085}"/>
+          </ac:spMkLst>
+        </pc:spChg>
+        <pc:picChg chg="add mod">
+          <ac:chgData name="Kamireddy Nandini" userId="cf4e4def5ddb983d" providerId="LiveId" clId="{E0587A0D-4A79-40C8-B87A-480D21FB515F}" dt="2025-09-09T05:50:05.818" v="728" actId="1076"/>
+          <ac:picMkLst>
+            <pc:docMk/>
+            <pc:sldMk cId="3928064517" sldId="282"/>
+            <ac:picMk id="6" creationId="{6B07117E-0F90-186B-52E5-CEF859BF2019}"/>
+          </ac:picMkLst>
+        </pc:picChg>
+      </pc:sldChg>
+      <pc:sldChg chg="addSp delSp modSp new mod">
+        <pc:chgData name="Kamireddy Nandini" userId="cf4e4def5ddb983d" providerId="LiveId" clId="{E0587A0D-4A79-40C8-B87A-480D21FB515F}" dt="2025-09-09T05:51:04.820" v="736" actId="1076"/>
+        <pc:sldMkLst>
+          <pc:docMk/>
+          <pc:sldMk cId="1533517734" sldId="283"/>
+        </pc:sldMkLst>
+        <pc:spChg chg="del">
+          <ac:chgData name="Kamireddy Nandini" userId="cf4e4def5ddb983d" providerId="LiveId" clId="{E0587A0D-4A79-40C8-B87A-480D21FB515F}" dt="2025-09-09T05:50:38.281" v="730" actId="21"/>
+          <ac:spMkLst>
+            <pc:docMk/>
+            <pc:sldMk cId="1533517734" sldId="283"/>
+            <ac:spMk id="2" creationId="{3A5B2DDE-6E8E-C5E2-9D8E-F9C5C22D44B3}"/>
+          </ac:spMkLst>
+        </pc:spChg>
+        <pc:spChg chg="del">
+          <ac:chgData name="Kamireddy Nandini" userId="cf4e4def5ddb983d" providerId="LiveId" clId="{E0587A0D-4A79-40C8-B87A-480D21FB515F}" dt="2025-09-09T05:50:51.555" v="731" actId="931"/>
+          <ac:spMkLst>
+            <pc:docMk/>
+            <pc:sldMk cId="1533517734" sldId="283"/>
+            <ac:spMk id="3" creationId="{C4444135-8FF7-96FD-FD61-062D7BF48CC0}"/>
+          </ac:spMkLst>
+        </pc:spChg>
+        <pc:picChg chg="add mod">
+          <ac:chgData name="Kamireddy Nandini" userId="cf4e4def5ddb983d" providerId="LiveId" clId="{E0587A0D-4A79-40C8-B87A-480D21FB515F}" dt="2025-09-09T05:51:04.820" v="736" actId="1076"/>
+          <ac:picMkLst>
+            <pc:docMk/>
+            <pc:sldMk cId="1533517734" sldId="283"/>
+            <ac:picMk id="5" creationId="{242E5828-0C7E-FCAC-ED67-DE9D25A8B1CF}"/>
+          </ac:picMkLst>
+        </pc:picChg>
+      </pc:sldChg>
     </pc:docChg>
   </pc:docChgLst>
 </pc:chgInfo>
@@ -984,7 +1140,7 @@
           <a:p>
             <a:fld id="{C9F7B2A8-57E0-4345-9B5D-4D5971308064}" type="datetimeFigureOut">
               <a:rPr lang="en-IN" smtClean="0"/>
-              <a:t>08-09-2025</a:t>
+              <a:t>09-09-2025</a:t>
             </a:fld>
             <a:endParaRPr lang="en-IN"/>
           </a:p>
@@ -1420,7 +1576,7 @@
           <a:p>
             <a:fld id="{C9F7B2A8-57E0-4345-9B5D-4D5971308064}" type="datetimeFigureOut">
               <a:rPr lang="en-IN" smtClean="0"/>
-              <a:t>08-09-2025</a:t>
+              <a:t>09-09-2025</a:t>
             </a:fld>
             <a:endParaRPr lang="en-IN"/>
           </a:p>
@@ -1670,7 +1826,7 @@
           <a:p>
             <a:fld id="{C9F7B2A8-57E0-4345-9B5D-4D5971308064}" type="datetimeFigureOut">
               <a:rPr lang="en-IN" smtClean="0"/>
-              <a:t>08-09-2025</a:t>
+              <a:t>09-09-2025</a:t>
             </a:fld>
             <a:endParaRPr lang="en-IN"/>
           </a:p>
@@ -1978,7 +2134,7 @@
           <a:p>
             <a:fld id="{C9F7B2A8-57E0-4345-9B5D-4D5971308064}" type="datetimeFigureOut">
               <a:rPr lang="en-IN" smtClean="0"/>
-              <a:t>08-09-2025</a:t>
+              <a:t>09-09-2025</a:t>
             </a:fld>
             <a:endParaRPr lang="en-IN"/>
           </a:p>
@@ -2296,7 +2452,7 @@
           <a:p>
             <a:fld id="{C9F7B2A8-57E0-4345-9B5D-4D5971308064}" type="datetimeFigureOut">
               <a:rPr lang="en-IN" smtClean="0"/>
-              <a:t>08-09-2025</a:t>
+              <a:t>09-09-2025</a:t>
             </a:fld>
             <a:endParaRPr lang="en-IN"/>
           </a:p>
@@ -2598,7 +2754,7 @@
           <a:p>
             <a:fld id="{C9F7B2A8-57E0-4345-9B5D-4D5971308064}" type="datetimeFigureOut">
               <a:rPr lang="en-IN" smtClean="0"/>
-              <a:t>08-09-2025</a:t>
+              <a:t>09-09-2025</a:t>
             </a:fld>
             <a:endParaRPr lang="en-IN"/>
           </a:p>
@@ -2965,7 +3121,7 @@
           <a:p>
             <a:fld id="{C9F7B2A8-57E0-4345-9B5D-4D5971308064}" type="datetimeFigureOut">
               <a:rPr lang="en-IN" smtClean="0"/>
-              <a:t>08-09-2025</a:t>
+              <a:t>09-09-2025</a:t>
             </a:fld>
             <a:endParaRPr lang="en-IN"/>
           </a:p>
@@ -3139,7 +3295,7 @@
           <a:p>
             <a:fld id="{C9F7B2A8-57E0-4345-9B5D-4D5971308064}" type="datetimeFigureOut">
               <a:rPr lang="en-IN" smtClean="0"/>
-              <a:t>08-09-2025</a:t>
+              <a:t>09-09-2025</a:t>
             </a:fld>
             <a:endParaRPr lang="en-IN"/>
           </a:p>
@@ -3319,7 +3475,7 @@
           <a:p>
             <a:fld id="{C9F7B2A8-57E0-4345-9B5D-4D5971308064}" type="datetimeFigureOut">
               <a:rPr lang="en-IN" smtClean="0"/>
-              <a:t>08-09-2025</a:t>
+              <a:t>09-09-2025</a:t>
             </a:fld>
             <a:endParaRPr lang="en-IN"/>
           </a:p>
@@ -3489,7 +3645,7 @@
           <a:p>
             <a:fld id="{C9F7B2A8-57E0-4345-9B5D-4D5971308064}" type="datetimeFigureOut">
               <a:rPr lang="en-IN" smtClean="0"/>
-              <a:t>08-09-2025</a:t>
+              <a:t>09-09-2025</a:t>
             </a:fld>
             <a:endParaRPr lang="en-IN"/>
           </a:p>
@@ -3739,7 +3895,7 @@
           <a:p>
             <a:fld id="{C9F7B2A8-57E0-4345-9B5D-4D5971308064}" type="datetimeFigureOut">
               <a:rPr lang="en-IN" smtClean="0"/>
-              <a:t>08-09-2025</a:t>
+              <a:t>09-09-2025</a:t>
             </a:fld>
             <a:endParaRPr lang="en-IN"/>
           </a:p>
@@ -3975,7 +4131,7 @@
           <a:p>
             <a:fld id="{C9F7B2A8-57E0-4345-9B5D-4D5971308064}" type="datetimeFigureOut">
               <a:rPr lang="en-IN" smtClean="0"/>
-              <a:t>08-09-2025</a:t>
+              <a:t>09-09-2025</a:t>
             </a:fld>
             <a:endParaRPr lang="en-IN"/>
           </a:p>
@@ -4357,7 +4513,7 @@
           <a:p>
             <a:fld id="{C9F7B2A8-57E0-4345-9B5D-4D5971308064}" type="datetimeFigureOut">
               <a:rPr lang="en-IN" smtClean="0"/>
-              <a:t>08-09-2025</a:t>
+              <a:t>09-09-2025</a:t>
             </a:fld>
             <a:endParaRPr lang="en-IN"/>
           </a:p>
@@ -4475,7 +4631,7 @@
           <a:p>
             <a:fld id="{C9F7B2A8-57E0-4345-9B5D-4D5971308064}" type="datetimeFigureOut">
               <a:rPr lang="en-IN" smtClean="0"/>
-              <a:t>08-09-2025</a:t>
+              <a:t>09-09-2025</a:t>
             </a:fld>
             <a:endParaRPr lang="en-IN"/>
           </a:p>
@@ -4570,7 +4726,7 @@
           <a:p>
             <a:fld id="{C9F7B2A8-57E0-4345-9B5D-4D5971308064}" type="datetimeFigureOut">
               <a:rPr lang="en-IN" smtClean="0"/>
-              <a:t>08-09-2025</a:t>
+              <a:t>09-09-2025</a:t>
             </a:fld>
             <a:endParaRPr lang="en-IN"/>
           </a:p>
@@ -4825,7 +4981,7 @@
           <a:p>
             <a:fld id="{C9F7B2A8-57E0-4345-9B5D-4D5971308064}" type="datetimeFigureOut">
               <a:rPr lang="en-IN" smtClean="0"/>
-              <a:t>08-09-2025</a:t>
+              <a:t>09-09-2025</a:t>
             </a:fld>
             <a:endParaRPr lang="en-IN"/>
           </a:p>
@@ -5108,7 +5264,7 @@
           <a:p>
             <a:fld id="{C9F7B2A8-57E0-4345-9B5D-4D5971308064}" type="datetimeFigureOut">
               <a:rPr lang="en-IN" smtClean="0"/>
-              <a:t>08-09-2025</a:t>
+              <a:t>09-09-2025</a:t>
             </a:fld>
             <a:endParaRPr lang="en-IN"/>
           </a:p>
@@ -5514,7 +5670,7 @@
           <a:p>
             <a:fld id="{C9F7B2A8-57E0-4345-9B5D-4D5971308064}" type="datetimeFigureOut">
               <a:rPr lang="en-IN" smtClean="0"/>
-              <a:t>08-09-2025</a:t>
+              <a:t>09-09-2025</a:t>
             </a:fld>
             <a:endParaRPr lang="en-IN"/>
           </a:p>
@@ -6108,7 +6264,7 @@
         <p:spPr>
           <a:xfrm>
             <a:off x="2085728" y="3688305"/>
-            <a:ext cx="6765523" cy="1947333"/>
+            <a:ext cx="7014729" cy="1947333"/>
           </a:xfrm>
         </p:spPr>
         <p:txBody>
@@ -6125,6 +6281,50 @@
                 <a:latin typeface="Bodoni MT" panose="02070603080606020203" pitchFamily="18" charset="0"/>
               </a:rPr>
               <a:t>Submitted By : Nandini Kamireddy</a:t>
+            </a:r>
+          </a:p>
+          <a:p>
+            <a:r>
+              <a:rPr lang="en-IN" sz="3200" b="1" dirty="0">
+                <a:solidFill>
+                  <a:schemeClr val="accent1"/>
+                </a:solidFill>
+                <a:latin typeface="Bodoni MT" panose="02070603080606020203" pitchFamily="18" charset="0"/>
+              </a:rPr>
+              <a:t>Mail : </a:t>
+            </a:r>
+            <a:r>
+              <a:rPr lang="en-IN" sz="3200" b="1" dirty="0">
+                <a:solidFill>
+                  <a:schemeClr val="accent1"/>
+                </a:solidFill>
+                <a:latin typeface="Bodoni MT" panose="02070603080606020203" pitchFamily="18" charset="0"/>
+                <a:hlinkClick r:id="rId2">
+                  <a:extLst>
+                    <a:ext uri="{A12FA001-AC4F-418D-AE19-62706E023703}">
+                      <ahyp:hlinkClr xmlns:ahyp="http://schemas.microsoft.com/office/drawing/2018/hyperlinkcolor" val="tx"/>
+                    </a:ext>
+                  </a:extLst>
+                </a:hlinkClick>
+              </a:rPr>
+              <a:t>nandinikamireddy11@gmail.com</a:t>
+            </a:r>
+            <a:endParaRPr lang="en-IN" sz="3200" b="1" dirty="0">
+              <a:solidFill>
+                <a:schemeClr val="accent1"/>
+              </a:solidFill>
+              <a:latin typeface="Bodoni MT" panose="02070603080606020203" pitchFamily="18" charset="0"/>
+            </a:endParaRPr>
+          </a:p>
+          <a:p>
+            <a:r>
+              <a:rPr lang="en-IN" sz="3200" b="1" dirty="0">
+                <a:solidFill>
+                  <a:schemeClr val="accent1"/>
+                </a:solidFill>
+                <a:latin typeface="Bodoni MT" panose="02070603080606020203" pitchFamily="18" charset="0"/>
+              </a:rPr>
+              <a:t>Superset id : 5217856</a:t>
             </a:r>
           </a:p>
         </p:txBody>
@@ -6183,7 +6383,7 @@
         </p:spPr>
         <p:txBody>
           <a:bodyPr>
-            <a:normAutofit/>
+            <a:normAutofit fontScale="90000"/>
           </a:bodyPr>
           <a:lstStyle/>
           <a:p>
@@ -6194,7 +6394,7 @@
                 </a:solidFill>
                 <a:latin typeface="Bell MT" panose="02020503060305020303" pitchFamily="18" charset="0"/>
               </a:rPr>
-              <a:t>Jenkins &amp; Git Implementation :</a:t>
+              <a:t>Jenkins, Git &amp; Jira Implementation :</a:t>
             </a:r>
           </a:p>
         </p:txBody>
@@ -6217,7 +6417,7 @@
         </p:nvSpPr>
         <p:spPr>
           <a:xfrm>
-            <a:off x="430824" y="1584593"/>
+            <a:off x="430824" y="1573576"/>
             <a:ext cx="9947065" cy="5273407"/>
           </a:xfrm>
         </p:spPr>
@@ -6318,6 +6518,34 @@
                 </a:solidFill>
               </a:rPr>
               <a:t>Report generation after each build</a:t>
+            </a:r>
+          </a:p>
+          <a:p>
+            <a:pPr marL="494030" indent="-457200">
+              <a:buFont typeface="Wingdings"/>
+              <a:buChar char="ü"/>
+            </a:pPr>
+            <a:r>
+              <a:rPr lang="en-US" sz="2400" dirty="0">
+                <a:solidFill>
+                  <a:schemeClr val="accent1"/>
+                </a:solidFill>
+              </a:rPr>
+              <a:t>Jira integration for project management &amp; bug tracking</a:t>
+            </a:r>
+          </a:p>
+          <a:p>
+            <a:pPr marL="494030" indent="-457200">
+              <a:buFont typeface="Wingdings"/>
+              <a:buChar char="ü"/>
+            </a:pPr>
+            <a:r>
+              <a:rPr lang="en-US" sz="2400" dirty="0">
+                <a:solidFill>
+                  <a:schemeClr val="accent1"/>
+                </a:solidFill>
+              </a:rPr>
+              <a:t>Automatic update of test results in Jira</a:t>
             </a:r>
             <a:endParaRPr lang="en-US" sz="2400" dirty="0">
               <a:solidFill>
@@ -7836,18 +8064,18 @@
         </p:nvSpPr>
         <p:spPr>
           <a:xfrm>
-            <a:off x="684212" y="1355075"/>
-            <a:ext cx="8534400" cy="5179970"/>
+            <a:off x="684212" y="1623507"/>
+            <a:ext cx="5411788" cy="4100317"/>
           </a:xfrm>
         </p:spPr>
         <p:txBody>
           <a:bodyPr>
-            <a:normAutofit/>
+            <a:noAutofit/>
           </a:bodyPr>
           <a:lstStyle/>
           <a:p>
             <a:r>
-              <a:rPr lang="en-IN" b="1" dirty="0">
+              <a:rPr lang="en-IN" sz="2400" b="1" dirty="0">
                 <a:solidFill>
                   <a:schemeClr val="accent1"/>
                 </a:solidFill>
@@ -7858,7 +8086,7 @@
           </a:p>
           <a:p>
             <a:r>
-              <a:rPr lang="en-IN" b="1" dirty="0">
+              <a:rPr lang="en-IN" sz="2400" b="1" dirty="0">
                 <a:solidFill>
                   <a:schemeClr val="accent1"/>
                 </a:solidFill>
@@ -7869,7 +8097,7 @@
           </a:p>
           <a:p>
             <a:r>
-              <a:rPr lang="en-IN" b="1" dirty="0">
+              <a:rPr lang="en-IN" sz="2400" b="1" dirty="0">
                 <a:solidFill>
                   <a:schemeClr val="accent1"/>
                 </a:solidFill>
@@ -7880,7 +8108,7 @@
           </a:p>
           <a:p>
             <a:r>
-              <a:rPr lang="en-IN" b="1" dirty="0">
+              <a:rPr lang="en-IN" sz="2400" b="1" dirty="0">
                 <a:solidFill>
                   <a:schemeClr val="accent1"/>
                 </a:solidFill>
@@ -7891,7 +8119,7 @@
           </a:p>
           <a:p>
             <a:r>
-              <a:rPr lang="en-IN" b="1" dirty="0">
+              <a:rPr lang="en-IN" sz="2400" b="1" dirty="0">
                 <a:solidFill>
                   <a:schemeClr val="accent1"/>
                 </a:solidFill>
@@ -7902,7 +8130,7 @@
           </a:p>
           <a:p>
             <a:r>
-              <a:rPr lang="en-IN" b="1" dirty="0">
+              <a:rPr lang="en-IN" sz="2400" b="1" dirty="0">
                 <a:solidFill>
                   <a:schemeClr val="accent1"/>
                 </a:solidFill>
@@ -7914,7 +8142,7 @@
           </a:p>
           <a:p>
             <a:r>
-              <a:rPr lang="en-IN" b="1" dirty="0">
+              <a:rPr lang="en-IN" sz="2400" b="1" dirty="0">
                 <a:solidFill>
                   <a:schemeClr val="accent1"/>
                 </a:solidFill>
@@ -7925,7 +8153,274 @@
           </a:p>
           <a:p>
             <a:r>
-              <a:rPr lang="en-IN" b="1" dirty="0">
+              <a:rPr lang="en-IN" sz="2400" b="1" dirty="0">
+                <a:solidFill>
+                  <a:schemeClr val="accent1"/>
+                </a:solidFill>
+                <a:latin typeface="Bell MT" panose="02020503060305020303" pitchFamily="18" charset="0"/>
+              </a:rPr>
+              <a:t>Jenkins, Git &amp; Jira Implementation</a:t>
+            </a:r>
+          </a:p>
+        </p:txBody>
+      </p:sp>
+      <p:sp>
+        <p:nvSpPr>
+          <p:cNvPr id="4" name="Content Placeholder 2">
+            <a:extLst>
+              <a:ext uri="{FF2B5EF4-FFF2-40B4-BE49-F238E27FC236}">
+                <a16:creationId xmlns:a16="http://schemas.microsoft.com/office/drawing/2014/main" id="{6EB7D67A-E7B4-70A8-B280-68BE870F064A}"/>
+              </a:ext>
+            </a:extLst>
+          </p:cNvPr>
+          <p:cNvSpPr txBox="1">
+            <a:spLocks/>
+          </p:cNvSpPr>
+          <p:nvPr/>
+        </p:nvSpPr>
+        <p:spPr>
+          <a:xfrm>
+            <a:off x="6548856" y="1623507"/>
+            <a:ext cx="6076472" cy="4380686"/>
+          </a:xfrm>
+          <a:prstGeom prst="rect">
+            <a:avLst/>
+          </a:prstGeom>
+        </p:spPr>
+        <p:txBody>
+          <a:bodyPr vert="horz" lIns="91440" tIns="45720" rIns="91440" bIns="45720" rtlCol="0" anchor="ctr">
+            <a:normAutofit/>
+          </a:bodyPr>
+          <a:lstStyle>
+            <a:lvl1pPr marL="285750" indent="-285750" algn="l" defTabSz="457200" rtl="0" eaLnBrk="1" latinLnBrk="0" hangingPunct="1">
+              <a:spcBef>
+                <a:spcPct val="20000"/>
+              </a:spcBef>
+              <a:spcAft>
+                <a:spcPts val="600"/>
+              </a:spcAft>
+              <a:buClr>
+                <a:schemeClr val="tx1"/>
+              </a:buClr>
+              <a:buSzPct val="80000"/>
+              <a:buFont typeface="Wingdings 3" panose="05040102010807070707" pitchFamily="18" charset="2"/>
+              <a:buChar char=""/>
+              <a:defRPr sz="2000" kern="1200" cap="none">
+                <a:solidFill>
+                  <a:schemeClr val="bg2">
+                    <a:lumMod val="50000"/>
+                  </a:schemeClr>
+                </a:solidFill>
+                <a:effectLst/>
+                <a:latin typeface="+mn-lt"/>
+                <a:ea typeface="+mn-ea"/>
+                <a:cs typeface="+mn-cs"/>
+              </a:defRPr>
+            </a:lvl1pPr>
+            <a:lvl2pPr marL="742950" indent="-285750" algn="l" defTabSz="457200" rtl="0" eaLnBrk="1" latinLnBrk="0" hangingPunct="1">
+              <a:spcBef>
+                <a:spcPct val="20000"/>
+              </a:spcBef>
+              <a:spcAft>
+                <a:spcPts val="600"/>
+              </a:spcAft>
+              <a:buClr>
+                <a:schemeClr val="tx1"/>
+              </a:buClr>
+              <a:buSzPct val="80000"/>
+              <a:buFont typeface="Wingdings 3" panose="05040102010807070707" pitchFamily="18" charset="2"/>
+              <a:buChar char=""/>
+              <a:defRPr sz="1800" kern="1200" cap="none">
+                <a:solidFill>
+                  <a:schemeClr val="bg2">
+                    <a:lumMod val="50000"/>
+                  </a:schemeClr>
+                </a:solidFill>
+                <a:effectLst/>
+                <a:latin typeface="+mn-lt"/>
+                <a:ea typeface="+mn-ea"/>
+                <a:cs typeface="+mn-cs"/>
+              </a:defRPr>
+            </a:lvl2pPr>
+            <a:lvl3pPr marL="1200150" indent="-285750" algn="l" defTabSz="457200" rtl="0" eaLnBrk="1" latinLnBrk="0" hangingPunct="1">
+              <a:spcBef>
+                <a:spcPct val="20000"/>
+              </a:spcBef>
+              <a:spcAft>
+                <a:spcPts val="600"/>
+              </a:spcAft>
+              <a:buClr>
+                <a:schemeClr val="tx1"/>
+              </a:buClr>
+              <a:buSzPct val="80000"/>
+              <a:buFont typeface="Wingdings 3" panose="05040102010807070707" pitchFamily="18" charset="2"/>
+              <a:buChar char=""/>
+              <a:defRPr sz="1600" kern="1200" cap="none">
+                <a:solidFill>
+                  <a:schemeClr val="bg2">
+                    <a:lumMod val="50000"/>
+                  </a:schemeClr>
+                </a:solidFill>
+                <a:effectLst/>
+                <a:latin typeface="+mn-lt"/>
+                <a:ea typeface="+mn-ea"/>
+                <a:cs typeface="+mn-cs"/>
+              </a:defRPr>
+            </a:lvl3pPr>
+            <a:lvl4pPr marL="1543050" indent="-171450" algn="l" defTabSz="457200" rtl="0" eaLnBrk="1" latinLnBrk="0" hangingPunct="1">
+              <a:spcBef>
+                <a:spcPct val="20000"/>
+              </a:spcBef>
+              <a:spcAft>
+                <a:spcPts val="600"/>
+              </a:spcAft>
+              <a:buClr>
+                <a:schemeClr val="tx1"/>
+              </a:buClr>
+              <a:buSzPct val="80000"/>
+              <a:buFont typeface="Wingdings 3" panose="05040102010807070707" pitchFamily="18" charset="2"/>
+              <a:buChar char=""/>
+              <a:defRPr sz="1400" kern="1200" cap="none">
+                <a:solidFill>
+                  <a:schemeClr val="bg2">
+                    <a:lumMod val="50000"/>
+                  </a:schemeClr>
+                </a:solidFill>
+                <a:effectLst/>
+                <a:latin typeface="+mn-lt"/>
+                <a:ea typeface="+mn-ea"/>
+                <a:cs typeface="+mn-cs"/>
+              </a:defRPr>
+            </a:lvl4pPr>
+            <a:lvl5pPr marL="2114550" indent="-285750" algn="l" defTabSz="457200" rtl="0" eaLnBrk="1" latinLnBrk="0" hangingPunct="1">
+              <a:spcBef>
+                <a:spcPct val="20000"/>
+              </a:spcBef>
+              <a:spcAft>
+                <a:spcPts val="600"/>
+              </a:spcAft>
+              <a:buClr>
+                <a:schemeClr val="tx1"/>
+              </a:buClr>
+              <a:buSzPct val="80000"/>
+              <a:buFont typeface="Wingdings 3" panose="05040102010807070707" pitchFamily="18" charset="2"/>
+              <a:buChar char=""/>
+              <a:defRPr sz="1400" kern="1200" cap="none">
+                <a:solidFill>
+                  <a:schemeClr val="bg2">
+                    <a:lumMod val="50000"/>
+                  </a:schemeClr>
+                </a:solidFill>
+                <a:effectLst/>
+                <a:latin typeface="+mn-lt"/>
+                <a:ea typeface="+mn-ea"/>
+                <a:cs typeface="+mn-cs"/>
+              </a:defRPr>
+            </a:lvl5pPr>
+            <a:lvl6pPr marL="2514600" indent="-228600" algn="l" defTabSz="457200" rtl="0" eaLnBrk="1" latinLnBrk="0" hangingPunct="1">
+              <a:spcBef>
+                <a:spcPct val="20000"/>
+              </a:spcBef>
+              <a:spcAft>
+                <a:spcPts val="600"/>
+              </a:spcAft>
+              <a:buClr>
+                <a:schemeClr val="tx1"/>
+              </a:buClr>
+              <a:buSzPct val="80000"/>
+              <a:buFont typeface="Wingdings 3" panose="05040102010807070707" pitchFamily="18" charset="2"/>
+              <a:buChar char=""/>
+              <a:defRPr sz="1400" kern="1200" cap="none">
+                <a:solidFill>
+                  <a:schemeClr val="bg2">
+                    <a:lumMod val="50000"/>
+                  </a:schemeClr>
+                </a:solidFill>
+                <a:effectLst/>
+                <a:latin typeface="+mn-lt"/>
+                <a:ea typeface="+mn-ea"/>
+                <a:cs typeface="+mn-cs"/>
+              </a:defRPr>
+            </a:lvl6pPr>
+            <a:lvl7pPr marL="2971800" indent="-228600" algn="l" defTabSz="457200" rtl="0" eaLnBrk="1" latinLnBrk="0" hangingPunct="1">
+              <a:spcBef>
+                <a:spcPct val="20000"/>
+              </a:spcBef>
+              <a:spcAft>
+                <a:spcPts val="600"/>
+              </a:spcAft>
+              <a:buClr>
+                <a:schemeClr val="tx1"/>
+              </a:buClr>
+              <a:buSzPct val="80000"/>
+              <a:buFont typeface="Wingdings 3" panose="05040102010807070707" pitchFamily="18" charset="2"/>
+              <a:buChar char=""/>
+              <a:defRPr sz="1400" kern="1200" cap="none">
+                <a:solidFill>
+                  <a:schemeClr val="bg2">
+                    <a:lumMod val="50000"/>
+                  </a:schemeClr>
+                </a:solidFill>
+                <a:effectLst/>
+                <a:latin typeface="+mn-lt"/>
+                <a:ea typeface="+mn-ea"/>
+                <a:cs typeface="+mn-cs"/>
+              </a:defRPr>
+            </a:lvl7pPr>
+            <a:lvl8pPr marL="3429000" indent="-228600" algn="l" defTabSz="457200" rtl="0" eaLnBrk="1" latinLnBrk="0" hangingPunct="1">
+              <a:spcBef>
+                <a:spcPct val="20000"/>
+              </a:spcBef>
+              <a:spcAft>
+                <a:spcPts val="600"/>
+              </a:spcAft>
+              <a:buClr>
+                <a:schemeClr val="tx1"/>
+              </a:buClr>
+              <a:buSzPct val="80000"/>
+              <a:buFont typeface="Wingdings 3" panose="05040102010807070707" pitchFamily="18" charset="2"/>
+              <a:buChar char=""/>
+              <a:defRPr sz="1400" kern="1200" cap="none">
+                <a:solidFill>
+                  <a:schemeClr val="bg2">
+                    <a:lumMod val="50000"/>
+                  </a:schemeClr>
+                </a:solidFill>
+                <a:effectLst/>
+                <a:latin typeface="+mn-lt"/>
+                <a:ea typeface="+mn-ea"/>
+                <a:cs typeface="+mn-cs"/>
+              </a:defRPr>
+            </a:lvl8pPr>
+            <a:lvl9pPr marL="3886200" indent="-228600" algn="l" defTabSz="457200" rtl="0" eaLnBrk="1" latinLnBrk="0" hangingPunct="1">
+              <a:spcBef>
+                <a:spcPct val="20000"/>
+              </a:spcBef>
+              <a:spcAft>
+                <a:spcPts val="600"/>
+              </a:spcAft>
+              <a:buClr>
+                <a:schemeClr val="tx1"/>
+              </a:buClr>
+              <a:buSzPct val="80000"/>
+              <a:buFont typeface="Wingdings 3" panose="05040102010807070707" pitchFamily="18" charset="2"/>
+              <a:buChar char=""/>
+              <a:defRPr sz="1400" kern="1200" cap="none">
+                <a:solidFill>
+                  <a:schemeClr val="bg2">
+                    <a:lumMod val="50000"/>
+                  </a:schemeClr>
+                </a:solidFill>
+                <a:effectLst/>
+                <a:latin typeface="+mn-lt"/>
+                <a:ea typeface="+mn-ea"/>
+                <a:cs typeface="+mn-cs"/>
+              </a:defRPr>
+            </a:lvl9pPr>
+          </a:lstStyle>
+          <a:p>
+            <a:r>
+              <a:rPr lang="en-IN" sz="2400" b="1" dirty="0">
                 <a:solidFill>
                   <a:schemeClr val="accent1"/>
                 </a:solidFill>
@@ -7936,18 +8431,51 @@
           </a:p>
           <a:p>
             <a:r>
-              <a:rPr lang="en-IN" b="1" dirty="0">
+              <a:rPr lang="en-IN" sz="2400" b="1" dirty="0">
                 <a:solidFill>
                   <a:schemeClr val="accent1"/>
                 </a:solidFill>
                 <a:latin typeface="Bell MT" panose="02020503060305020303" pitchFamily="18" charset="0"/>
               </a:rPr>
-              <a:t>Test cases Screenshots</a:t>
-            </a:r>
-          </a:p>
-          <a:p>
-            <a:r>
-              <a:rPr lang="en-IN" b="1" dirty="0">
+              <a:t>Outcome</a:t>
+            </a:r>
+          </a:p>
+          <a:p>
+            <a:r>
+              <a:rPr lang="en-IN" sz="2400" b="1" dirty="0">
+                <a:solidFill>
+                  <a:schemeClr val="accent1"/>
+                </a:solidFill>
+                <a:latin typeface="Bell MT" panose="02020503060305020303" pitchFamily="18" charset="0"/>
+              </a:rPr>
+              <a:t>Test Cases Screenshots</a:t>
+            </a:r>
+          </a:p>
+          <a:p>
+            <a:r>
+              <a:rPr lang="en-IN" sz="2400" b="1" dirty="0">
+                <a:solidFill>
+                  <a:schemeClr val="accent1"/>
+                </a:solidFill>
+                <a:latin typeface="Bell MT" panose="02020503060305020303" pitchFamily="18" charset="0"/>
+              </a:rPr>
+              <a:t>Jenkins – Outcome</a:t>
+            </a:r>
+          </a:p>
+          <a:p>
+            <a:r>
+              <a:rPr lang="en-IN" sz="2400" b="1" dirty="0">
+                <a:solidFill>
+                  <a:schemeClr val="accent1"/>
+                </a:solidFill>
+                <a:latin typeface="Bell MT" panose="02020503060305020303" pitchFamily="18" charset="0"/>
+              </a:rPr>
+              <a:t>Jira - Outcomes</a:t>
+            </a:r>
+          </a:p>
+          <a:p>
+            <a:r>
+              <a:rPr lang="en-IN" sz="2400" b="1" dirty="0">
                 <a:solidFill>
                   <a:schemeClr val="accent1"/>
                 </a:solidFill>
@@ -7958,7 +8486,7 @@
           </a:p>
           <a:p>
             <a:r>
-              <a:rPr lang="en-IN" b="1" dirty="0">
+              <a:rPr lang="en-IN" sz="2400" b="1" dirty="0">
                 <a:solidFill>
                   <a:schemeClr val="accent1"/>
                 </a:solidFill>
@@ -7986,6 +8514,415 @@
 </file>
 
 <file path=ppt/slides/slide20.xml><?xml version="1.0" encoding="utf-8"?>
+<p:sld xmlns:a="http://schemas.openxmlformats.org/drawingml/2006/main" xmlns:r="http://schemas.openxmlformats.org/officeDocument/2006/relationships" xmlns:p="http://schemas.openxmlformats.org/presentationml/2006/main">
+  <p:cSld>
+    <p:spTree>
+      <p:nvGrpSpPr>
+        <p:cNvPr id="1" name=""/>
+        <p:cNvGrpSpPr/>
+        <p:nvPr/>
+      </p:nvGrpSpPr>
+      <p:grpSpPr>
+        <a:xfrm>
+          <a:off x="0" y="0"/>
+          <a:ext cx="0" cy="0"/>
+          <a:chOff x="0" y="0"/>
+          <a:chExt cx="0" cy="0"/>
+        </a:xfrm>
+      </p:grpSpPr>
+      <p:sp>
+        <p:nvSpPr>
+          <p:cNvPr id="2" name="Title 1">
+            <a:extLst>
+              <a:ext uri="{FF2B5EF4-FFF2-40B4-BE49-F238E27FC236}">
+                <a16:creationId xmlns:a16="http://schemas.microsoft.com/office/drawing/2014/main" id="{2332A667-DA72-5909-DF4B-EE17182251C6}"/>
+              </a:ext>
+            </a:extLst>
+          </p:cNvPr>
+          <p:cNvSpPr>
+            <a:spLocks noGrp="1"/>
+          </p:cNvSpPr>
+          <p:nvPr>
+            <p:ph type="title"/>
+          </p:nvPr>
+        </p:nvSpPr>
+        <p:spPr>
+          <a:xfrm>
+            <a:off x="684211" y="0"/>
+            <a:ext cx="8534400" cy="1507067"/>
+          </a:xfrm>
+        </p:spPr>
+        <p:txBody>
+          <a:bodyPr/>
+          <a:lstStyle/>
+          <a:p>
+            <a:r>
+              <a:rPr lang="en-IN" b="1" dirty="0">
+                <a:solidFill>
+                  <a:schemeClr val="accent1"/>
+                </a:solidFill>
+                <a:latin typeface="Bell MT" panose="02020503060305020303" pitchFamily="18" charset="0"/>
+              </a:rPr>
+              <a:t>Jira – agile board :</a:t>
+            </a:r>
+          </a:p>
+        </p:txBody>
+      </p:sp>
+      <p:pic>
+        <p:nvPicPr>
+          <p:cNvPr id="6" name="Content Placeholder 5" descr="A screenshot of a computer&#10;&#10;AI-generated content may be incorrect.">
+            <a:extLst>
+              <a:ext uri="{FF2B5EF4-FFF2-40B4-BE49-F238E27FC236}">
+                <a16:creationId xmlns:a16="http://schemas.microsoft.com/office/drawing/2014/main" id="{3ECC4FCF-AF43-9E77-C6E6-EC81BFAE6104}"/>
+              </a:ext>
+            </a:extLst>
+          </p:cNvPr>
+          <p:cNvPicPr>
+            <a:picLocks noGrp="1" noChangeAspect="1"/>
+          </p:cNvPicPr>
+          <p:nvPr>
+            <p:ph sz="half" idx="1"/>
+          </p:nvPr>
+        </p:nvPicPr>
+        <p:blipFill>
+          <a:blip r:embed="rId2">
+            <a:extLst>
+              <a:ext uri="{28A0092B-C50C-407E-A947-70E740481C1C}">
+                <a14:useLocalDpi xmlns:a14="http://schemas.microsoft.com/office/drawing/2010/main" val="0"/>
+              </a:ext>
+            </a:extLst>
+          </a:blip>
+          <a:stretch>
+            <a:fillRect/>
+          </a:stretch>
+        </p:blipFill>
+        <p:spPr>
+          <a:xfrm>
+            <a:off x="1400310" y="1258237"/>
+            <a:ext cx="9076731" cy="5105660"/>
+          </a:xfrm>
+        </p:spPr>
+      </p:pic>
+    </p:spTree>
+    <p:extLst>
+      <p:ext uri="{BB962C8B-B14F-4D97-AF65-F5344CB8AC3E}">
+        <p14:creationId xmlns:p14="http://schemas.microsoft.com/office/powerpoint/2010/main" val="4202264176"/>
+      </p:ext>
+    </p:extLst>
+  </p:cSld>
+  <p:clrMapOvr>
+    <a:masterClrMapping/>
+  </p:clrMapOvr>
+</p:sld>
+</file>
+
+<file path=ppt/slides/slide21.xml><?xml version="1.0" encoding="utf-8"?>
+<p:sld xmlns:a="http://schemas.openxmlformats.org/drawingml/2006/main" xmlns:r="http://schemas.openxmlformats.org/officeDocument/2006/relationships" xmlns:p="http://schemas.openxmlformats.org/presentationml/2006/main">
+  <p:cSld>
+    <p:spTree>
+      <p:nvGrpSpPr>
+        <p:cNvPr id="1" name=""/>
+        <p:cNvGrpSpPr/>
+        <p:nvPr/>
+      </p:nvGrpSpPr>
+      <p:grpSpPr>
+        <a:xfrm>
+          <a:off x="0" y="0"/>
+          <a:ext cx="0" cy="0"/>
+          <a:chOff x="0" y="0"/>
+          <a:chExt cx="0" cy="0"/>
+        </a:xfrm>
+      </p:grpSpPr>
+      <p:sp>
+        <p:nvSpPr>
+          <p:cNvPr id="2" name="Title 1">
+            <a:extLst>
+              <a:ext uri="{FF2B5EF4-FFF2-40B4-BE49-F238E27FC236}">
+                <a16:creationId xmlns:a16="http://schemas.microsoft.com/office/drawing/2014/main" id="{A8CFBE5F-AA1F-461A-81D1-1FB6F3C7E8BF}"/>
+              </a:ext>
+            </a:extLst>
+          </p:cNvPr>
+          <p:cNvSpPr>
+            <a:spLocks noGrp="1"/>
+          </p:cNvSpPr>
+          <p:nvPr>
+            <p:ph type="title"/>
+          </p:nvPr>
+        </p:nvSpPr>
+        <p:spPr>
+          <a:xfrm>
+            <a:off x="629127" y="-44067"/>
+            <a:ext cx="8534400" cy="1507067"/>
+          </a:xfrm>
+        </p:spPr>
+        <p:txBody>
+          <a:bodyPr/>
+          <a:lstStyle/>
+          <a:p>
+            <a:r>
+              <a:rPr lang="en-IN" b="1" dirty="0">
+                <a:solidFill>
+                  <a:schemeClr val="accent1"/>
+                </a:solidFill>
+                <a:latin typeface="Bell MT" panose="02020503060305020303" pitchFamily="18" charset="0"/>
+              </a:rPr>
+              <a:t>Sprint creation :</a:t>
+            </a:r>
+          </a:p>
+        </p:txBody>
+      </p:sp>
+      <p:pic>
+        <p:nvPicPr>
+          <p:cNvPr id="6" name="Content Placeholder 5" descr="A screenshot of a computer&#10;&#10;AI-generated content may be incorrect.">
+            <a:extLst>
+              <a:ext uri="{FF2B5EF4-FFF2-40B4-BE49-F238E27FC236}">
+                <a16:creationId xmlns:a16="http://schemas.microsoft.com/office/drawing/2014/main" id="{D0A26AB6-122D-B6A8-B600-D77CE7F2568A}"/>
+              </a:ext>
+            </a:extLst>
+          </p:cNvPr>
+          <p:cNvPicPr>
+            <a:picLocks noGrp="1" noChangeAspect="1"/>
+          </p:cNvPicPr>
+          <p:nvPr>
+            <p:ph sz="half" idx="1"/>
+          </p:nvPr>
+        </p:nvPicPr>
+        <p:blipFill>
+          <a:blip r:embed="rId2">
+            <a:extLst>
+              <a:ext uri="{28A0092B-C50C-407E-A947-70E740481C1C}">
+                <a14:useLocalDpi xmlns:a14="http://schemas.microsoft.com/office/drawing/2010/main" val="0"/>
+              </a:ext>
+            </a:extLst>
+          </a:blip>
+          <a:stretch>
+            <a:fillRect/>
+          </a:stretch>
+        </p:blipFill>
+        <p:spPr>
+          <a:xfrm>
+            <a:off x="597760" y="1246183"/>
+            <a:ext cx="5498240" cy="3092759"/>
+          </a:xfrm>
+        </p:spPr>
+      </p:pic>
+      <p:pic>
+        <p:nvPicPr>
+          <p:cNvPr id="8" name="Content Placeholder 7" descr="A screenshot of a computer&#10;&#10;AI-generated content may be incorrect.">
+            <a:extLst>
+              <a:ext uri="{FF2B5EF4-FFF2-40B4-BE49-F238E27FC236}">
+                <a16:creationId xmlns:a16="http://schemas.microsoft.com/office/drawing/2014/main" id="{1D060474-2DE9-EBC5-FB5C-3826276E0BD6}"/>
+              </a:ext>
+            </a:extLst>
+          </p:cNvPr>
+          <p:cNvPicPr>
+            <a:picLocks noGrp="1" noChangeAspect="1"/>
+          </p:cNvPicPr>
+          <p:nvPr>
+            <p:ph sz="half" idx="2"/>
+          </p:nvPr>
+        </p:nvPicPr>
+        <p:blipFill>
+          <a:blip r:embed="rId3">
+            <a:extLst>
+              <a:ext uri="{28A0092B-C50C-407E-A947-70E740481C1C}">
+                <a14:useLocalDpi xmlns:a14="http://schemas.microsoft.com/office/drawing/2010/main" val="0"/>
+              </a:ext>
+            </a:extLst>
+          </a:blip>
+          <a:stretch>
+            <a:fillRect/>
+          </a:stretch>
+        </p:blipFill>
+        <p:spPr>
+          <a:xfrm>
+            <a:off x="6192043" y="3231172"/>
+            <a:ext cx="5717190" cy="3215918"/>
+          </a:xfrm>
+        </p:spPr>
+      </p:pic>
+    </p:spTree>
+    <p:extLst>
+      <p:ext uri="{BB962C8B-B14F-4D97-AF65-F5344CB8AC3E}">
+        <p14:creationId xmlns:p14="http://schemas.microsoft.com/office/powerpoint/2010/main" val="3704240447"/>
+      </p:ext>
+    </p:extLst>
+  </p:cSld>
+  <p:clrMapOvr>
+    <a:masterClrMapping/>
+  </p:clrMapOvr>
+</p:sld>
+</file>
+
+<file path=ppt/slides/slide22.xml><?xml version="1.0" encoding="utf-8"?>
+<p:sld xmlns:a="http://schemas.openxmlformats.org/drawingml/2006/main" xmlns:r="http://schemas.openxmlformats.org/officeDocument/2006/relationships" xmlns:p="http://schemas.openxmlformats.org/presentationml/2006/main">
+  <p:cSld>
+    <p:spTree>
+      <p:nvGrpSpPr>
+        <p:cNvPr id="1" name=""/>
+        <p:cNvGrpSpPr/>
+        <p:nvPr/>
+      </p:nvGrpSpPr>
+      <p:grpSpPr>
+        <a:xfrm>
+          <a:off x="0" y="0"/>
+          <a:ext cx="0" cy="0"/>
+          <a:chOff x="0" y="0"/>
+          <a:chExt cx="0" cy="0"/>
+        </a:xfrm>
+      </p:grpSpPr>
+      <p:sp>
+        <p:nvSpPr>
+          <p:cNvPr id="2" name="Title 1">
+            <a:extLst>
+              <a:ext uri="{FF2B5EF4-FFF2-40B4-BE49-F238E27FC236}">
+                <a16:creationId xmlns:a16="http://schemas.microsoft.com/office/drawing/2014/main" id="{C977ECDD-EDFA-0E60-4605-097128CEC063}"/>
+              </a:ext>
+            </a:extLst>
+          </p:cNvPr>
+          <p:cNvSpPr>
+            <a:spLocks noGrp="1"/>
+          </p:cNvSpPr>
+          <p:nvPr>
+            <p:ph type="title"/>
+          </p:nvPr>
+        </p:nvSpPr>
+        <p:spPr>
+          <a:xfrm>
+            <a:off x="618110" y="0"/>
+            <a:ext cx="8534400" cy="1507067"/>
+          </a:xfrm>
+        </p:spPr>
+        <p:txBody>
+          <a:bodyPr/>
+          <a:lstStyle/>
+          <a:p>
+            <a:r>
+              <a:rPr lang="en-IN" b="1" dirty="0">
+                <a:solidFill>
+                  <a:schemeClr val="accent1"/>
+                </a:solidFill>
+                <a:latin typeface="Bell MT" panose="02020503060305020303" pitchFamily="18" charset="0"/>
+              </a:rPr>
+              <a:t>Summary :</a:t>
+            </a:r>
+          </a:p>
+        </p:txBody>
+      </p:sp>
+      <p:pic>
+        <p:nvPicPr>
+          <p:cNvPr id="6" name="Content Placeholder 5" descr="A screenshot of a computer&#10;&#10;AI-generated content may be incorrect.">
+            <a:extLst>
+              <a:ext uri="{FF2B5EF4-FFF2-40B4-BE49-F238E27FC236}">
+                <a16:creationId xmlns:a16="http://schemas.microsoft.com/office/drawing/2014/main" id="{6B07117E-0F90-186B-52E5-CEF859BF2019}"/>
+              </a:ext>
+            </a:extLst>
+          </p:cNvPr>
+          <p:cNvPicPr>
+            <a:picLocks noGrp="1" noChangeAspect="1"/>
+          </p:cNvPicPr>
+          <p:nvPr>
+            <p:ph sz="half" idx="1"/>
+          </p:nvPr>
+        </p:nvPicPr>
+        <p:blipFill>
+          <a:blip r:embed="rId2">
+            <a:extLst>
+              <a:ext uri="{28A0092B-C50C-407E-A947-70E740481C1C}">
+                <a14:useLocalDpi xmlns:a14="http://schemas.microsoft.com/office/drawing/2010/main" val="0"/>
+              </a:ext>
+            </a:extLst>
+          </a:blip>
+          <a:stretch>
+            <a:fillRect/>
+          </a:stretch>
+        </p:blipFill>
+        <p:spPr>
+          <a:xfrm>
+            <a:off x="1341704" y="1157459"/>
+            <a:ext cx="9508591" cy="5348581"/>
+          </a:xfrm>
+        </p:spPr>
+      </p:pic>
+    </p:spTree>
+    <p:extLst>
+      <p:ext uri="{BB962C8B-B14F-4D97-AF65-F5344CB8AC3E}">
+        <p14:creationId xmlns:p14="http://schemas.microsoft.com/office/powerpoint/2010/main" val="3928064517"/>
+      </p:ext>
+    </p:extLst>
+  </p:cSld>
+  <p:clrMapOvr>
+    <a:masterClrMapping/>
+  </p:clrMapOvr>
+</p:sld>
+</file>
+
+<file path=ppt/slides/slide23.xml><?xml version="1.0" encoding="utf-8"?>
+<p:sld xmlns:a="http://schemas.openxmlformats.org/drawingml/2006/main" xmlns:r="http://schemas.openxmlformats.org/officeDocument/2006/relationships" xmlns:p="http://schemas.openxmlformats.org/presentationml/2006/main">
+  <p:cSld>
+    <p:spTree>
+      <p:nvGrpSpPr>
+        <p:cNvPr id="1" name=""/>
+        <p:cNvGrpSpPr/>
+        <p:nvPr/>
+      </p:nvGrpSpPr>
+      <p:grpSpPr>
+        <a:xfrm>
+          <a:off x="0" y="0"/>
+          <a:ext cx="0" cy="0"/>
+          <a:chOff x="0" y="0"/>
+          <a:chExt cx="0" cy="0"/>
+        </a:xfrm>
+      </p:grpSpPr>
+      <p:pic>
+        <p:nvPicPr>
+          <p:cNvPr id="5" name="Content Placeholder 4" descr="A screenshot of a computer&#10;&#10;AI-generated content may be incorrect.">
+            <a:extLst>
+              <a:ext uri="{FF2B5EF4-FFF2-40B4-BE49-F238E27FC236}">
+                <a16:creationId xmlns:a16="http://schemas.microsoft.com/office/drawing/2014/main" id="{242E5828-0C7E-FCAC-ED67-DE9D25A8B1CF}"/>
+              </a:ext>
+            </a:extLst>
+          </p:cNvPr>
+          <p:cNvPicPr>
+            <a:picLocks noGrp="1" noChangeAspect="1"/>
+          </p:cNvPicPr>
+          <p:nvPr>
+            <p:ph idx="1"/>
+          </p:nvPr>
+        </p:nvPicPr>
+        <p:blipFill>
+          <a:blip r:embed="rId2">
+            <a:extLst>
+              <a:ext uri="{28A0092B-C50C-407E-A947-70E740481C1C}">
+                <a14:useLocalDpi xmlns:a14="http://schemas.microsoft.com/office/drawing/2010/main" val="0"/>
+              </a:ext>
+            </a:extLst>
+          </a:blip>
+          <a:stretch>
+            <a:fillRect/>
+          </a:stretch>
+        </p:blipFill>
+        <p:spPr>
+          <a:xfrm>
+            <a:off x="1004324" y="564932"/>
+            <a:ext cx="10183351" cy="5728136"/>
+          </a:xfrm>
+        </p:spPr>
+      </p:pic>
+    </p:spTree>
+    <p:extLst>
+      <p:ext uri="{BB962C8B-B14F-4D97-AF65-F5344CB8AC3E}">
+        <p14:creationId xmlns:p14="http://schemas.microsoft.com/office/powerpoint/2010/main" val="1533517734"/>
+      </p:ext>
+    </p:extLst>
+  </p:cSld>
+  <p:clrMapOvr>
+    <a:masterClrMapping/>
+  </p:clrMapOvr>
+</p:sld>
+</file>
+
+<file path=ppt/slides/slide24.xml><?xml version="1.0" encoding="utf-8"?>
 <p:sld xmlns:a="http://schemas.openxmlformats.org/drawingml/2006/main" xmlns:r="http://schemas.openxmlformats.org/officeDocument/2006/relationships" xmlns:p="http://schemas.openxmlformats.org/presentationml/2006/main">
   <p:cSld>
     <p:spTree>
@@ -8595,7 +9532,7 @@
 </p:sld>
 </file>
 
-<file path=ppt/slides/slide21.xml><?xml version="1.0" encoding="utf-8"?>
+<file path=ppt/slides/slide25.xml><?xml version="1.0" encoding="utf-8"?>
 <p:sld xmlns:a="http://schemas.openxmlformats.org/drawingml/2006/main" xmlns:r="http://schemas.openxmlformats.org/officeDocument/2006/relationships" xmlns:p="http://schemas.openxmlformats.org/presentationml/2006/main">
   <p:cSld>
     <p:spTree>
